--- a/2-Java-Programmer-Modulo-II/02.Capitulo01.pptx
+++ b/2-Java-Programmer-Modulo-II/02.Capitulo01.pptx
@@ -258,7 +258,7 @@
               <a:pPr>
                 <a:defRPr/>
               </a:pPr>
-              <a:t>22/02/2012</a:t>
+              <a:t>04/04/2012</a:t>
             </a:fld>
             <a:endParaRPr lang="pt-BR"/>
           </a:p>
@@ -2237,7 +2237,7 @@
               <a:pPr>
                 <a:defRPr/>
               </a:pPr>
-              <a:t>22/02/2012</a:t>
+              <a:t>04/04/2012</a:t>
             </a:fld>
             <a:endParaRPr lang="pt-BR"/>
           </a:p>
@@ -2429,7 +2429,7 @@
               <a:pPr>
                 <a:defRPr/>
               </a:pPr>
-              <a:t>22/02/2012</a:t>
+              <a:t>04/04/2012</a:t>
             </a:fld>
             <a:endParaRPr lang="pt-BR"/>
           </a:p>
@@ -2631,7 +2631,7 @@
               <a:pPr>
                 <a:defRPr/>
               </a:pPr>
-              <a:t>22/02/2012</a:t>
+              <a:t>04/04/2012</a:t>
             </a:fld>
             <a:endParaRPr lang="pt-BR"/>
           </a:p>
@@ -2827,7 +2827,7 @@
               <a:pPr>
                 <a:defRPr/>
               </a:pPr>
-              <a:t>22/02/2012</a:t>
+              <a:t>04/04/2012</a:t>
             </a:fld>
             <a:endParaRPr lang="pt-BR"/>
           </a:p>
@@ -3333,7 +3333,7 @@
               <a:pPr>
                 <a:defRPr/>
               </a:pPr>
-              <a:t>22/02/2012</a:t>
+              <a:t>04/04/2012</a:t>
             </a:fld>
             <a:endParaRPr lang="pt-BR"/>
           </a:p>
@@ -3624,7 +3624,7 @@
               <a:pPr>
                 <a:defRPr/>
               </a:pPr>
-              <a:t>22/02/2012</a:t>
+              <a:t>04/04/2012</a:t>
             </a:fld>
             <a:endParaRPr lang="pt-BR"/>
           </a:p>
@@ -4025,7 +4025,7 @@
               <a:pPr>
                 <a:defRPr/>
               </a:pPr>
-              <a:t>22/02/2012</a:t>
+              <a:t>04/04/2012</a:t>
             </a:fld>
             <a:endParaRPr lang="pt-BR"/>
           </a:p>
@@ -4174,7 +4174,7 @@
               <a:pPr>
                 <a:defRPr/>
               </a:pPr>
-              <a:t>22/02/2012</a:t>
+              <a:t>04/04/2012</a:t>
             </a:fld>
             <a:endParaRPr lang="pt-BR"/>
           </a:p>
@@ -4291,7 +4291,7 @@
               <a:pPr>
                 <a:defRPr/>
               </a:pPr>
-              <a:t>22/02/2012</a:t>
+              <a:t>04/04/2012</a:t>
             </a:fld>
             <a:endParaRPr lang="pt-BR"/>
           </a:p>
@@ -4567,7 +4567,7 @@
               <a:pPr>
                 <a:defRPr/>
               </a:pPr>
-              <a:t>22/02/2012</a:t>
+              <a:t>04/04/2012</a:t>
             </a:fld>
             <a:endParaRPr lang="pt-BR"/>
           </a:p>
@@ -4851,7 +4851,7 @@
               <a:pPr>
                 <a:defRPr/>
               </a:pPr>
-              <a:t>22/02/2012</a:t>
+              <a:t>04/04/2012</a:t>
             </a:fld>
             <a:endParaRPr lang="pt-BR"/>
           </a:p>
@@ -5329,7 +5329,7 @@
               <a:pPr>
                 <a:defRPr/>
               </a:pPr>
-              <a:t>22/02/2012</a:t>
+              <a:t>04/04/2012</a:t>
             </a:fld>
             <a:endParaRPr lang="pt-BR"/>
           </a:p>
@@ -8018,12 +8018,12 @@
               <a:buNone/>
             </a:pPr>
             <a:r>
-              <a:rPr lang="pt-BR" sz="2400" dirty="0" smtClean="0">
-                <a:solidFill>
-                  <a:srgbClr val="FFC000"/>
-                </a:solidFill>
-              </a:rPr>
+              <a:rPr lang="pt-BR" sz="2400" dirty="0" smtClean="0"/>
               <a:t>System.</a:t>
+            </a:r>
+            <a:r>
+              <a:rPr lang="pt-BR" sz="2400" dirty="0" err="1" smtClean="0"/>
+              <a:t>out.</a:t>
             </a:r>
             <a:r>
               <a:rPr lang="pt-BR" sz="2400" dirty="0" err="1" smtClean="0">
@@ -8031,18 +8031,10 @@
                   <a:srgbClr val="FFC000"/>
                 </a:solidFill>
               </a:rPr>
-              <a:t>out.</a:t>
-            </a:r>
-            <a:r>
-              <a:rPr lang="pt-BR" sz="2400" dirty="0" err="1" smtClean="0"/>
               <a:t>printf</a:t>
             </a:r>
             <a:r>
-              <a:rPr lang="pt-BR" sz="2400" dirty="0" smtClean="0">
-                <a:solidFill>
-                  <a:srgbClr val="FFC000"/>
-                </a:solidFill>
-              </a:rPr>
+              <a:rPr lang="pt-BR" sz="2400" dirty="0" smtClean="0"/>
               <a:t>(“FORMATO”, valor1, valor2, ...);</a:t>
             </a:r>
           </a:p>
@@ -8170,24 +8162,45 @@
               <a:buNone/>
             </a:pPr>
             <a:r>
+              <a:rPr lang="pt-BR" sz="2400" dirty="0" smtClean="0"/>
+              <a:t>System.</a:t>
+            </a:r>
+            <a:r>
+              <a:rPr lang="pt-BR" sz="2400" dirty="0" err="1" smtClean="0"/>
+              <a:t>out.</a:t>
+            </a:r>
+            <a:r>
+              <a:rPr lang="pt-BR" sz="2400" dirty="0" err="1" smtClean="0">
+                <a:solidFill>
+                  <a:srgbClr val="FFC000"/>
+                </a:solidFill>
+              </a:rPr>
+              <a:t>printf</a:t>
+            </a:r>
+            <a:r>
+              <a:rPr lang="pt-BR" sz="2400" dirty="0" smtClean="0"/>
+              <a:t>(</a:t>
+            </a:r>
+          </a:p>
+          <a:p>
+            <a:pPr marL="0" indent="0" eaLnBrk="1" hangingPunct="1">
+              <a:buNone/>
+            </a:pPr>
+            <a:r>
+              <a:rPr lang="pt-BR" sz="2400" dirty="0" smtClean="0"/>
+              <a:t>	“Parabéns </a:t>
+            </a:r>
+            <a:r>
               <a:rPr lang="pt-BR" sz="2400" dirty="0" smtClean="0">
                 <a:solidFill>
                   <a:srgbClr val="FFC000"/>
                 </a:solidFill>
               </a:rPr>
-              <a:t>System.</a:t>
-            </a:r>
-            <a:r>
-              <a:rPr lang="pt-BR" sz="2400" dirty="0" err="1" smtClean="0">
-                <a:solidFill>
-                  <a:srgbClr val="FFC000"/>
-                </a:solidFill>
-              </a:rPr>
-              <a:t>out.</a:t>
-            </a:r>
-            <a:r>
-              <a:rPr lang="pt-BR" sz="2400" dirty="0" err="1" smtClean="0"/>
-              <a:t>printf</a:t>
+              <a:t>%s</a:t>
+            </a:r>
+            <a:r>
+              <a:rPr lang="pt-BR" sz="2400" dirty="0" smtClean="0"/>
+              <a:t> pelos seus </a:t>
             </a:r>
             <a:r>
               <a:rPr lang="pt-BR" sz="2400" dirty="0" smtClean="0">
@@ -8195,24 +8208,23 @@
                   <a:srgbClr val="FFC000"/>
                 </a:solidFill>
               </a:rPr>
-              <a:t>(</a:t>
-            </a:r>
-          </a:p>
-          <a:p>
-            <a:pPr marL="0" indent="0" eaLnBrk="1" hangingPunct="1">
-              <a:buNone/>
-            </a:pPr>
+              <a:t>%d</a:t>
+            </a:r>
+            <a:r>
+              <a:rPr lang="pt-BR" sz="2400" dirty="0" smtClean="0"/>
+              <a:t> anos de idade!”, 	“</a:t>
+            </a:r>
             <a:r>
               <a:rPr lang="pt-BR" sz="2400" dirty="0" smtClean="0">
                 <a:solidFill>
                   <a:srgbClr val="FFC000"/>
                 </a:solidFill>
               </a:rPr>
-              <a:t>	“Parabéns </a:t>
+              <a:t>Manuel</a:t>
             </a:r>
             <a:r>
               <a:rPr lang="pt-BR" sz="2400" dirty="0" smtClean="0"/>
-              <a:t>%s</a:t>
+              <a:t>”, </a:t>
             </a:r>
             <a:r>
               <a:rPr lang="pt-BR" sz="2400" dirty="0" smtClean="0">
@@ -8220,11 +8232,39 @@
                   <a:srgbClr val="FFC000"/>
                 </a:solidFill>
               </a:rPr>
-              <a:t> pelos seus </a:t>
+              <a:t>27</a:t>
             </a:r>
             <a:r>
               <a:rPr lang="pt-BR" sz="2400" dirty="0" smtClean="0"/>
-              <a:t>%d</a:t>
+              <a:t>);</a:t>
+            </a:r>
+          </a:p>
+          <a:p>
+            <a:pPr marL="0" indent="0" eaLnBrk="1" hangingPunct="1">
+              <a:buNone/>
+            </a:pPr>
+            <a:endParaRPr lang="pt-BR" sz="2400" dirty="0" smtClean="0"/>
+          </a:p>
+          <a:p>
+            <a:pPr eaLnBrk="1" hangingPunct="1"/>
+            <a:r>
+              <a:rPr lang="pt-BR" dirty="0" smtClean="0"/>
+              <a:t>Saída:</a:t>
+            </a:r>
+          </a:p>
+          <a:p>
+            <a:pPr marL="0" indent="0" eaLnBrk="1" hangingPunct="1">
+              <a:buNone/>
+            </a:pPr>
+            <a:endParaRPr lang="pt-BR" sz="2400" dirty="0" smtClean="0"/>
+          </a:p>
+          <a:p>
+            <a:pPr marL="0" indent="0" algn="ctr" eaLnBrk="1" hangingPunct="1">
+              <a:buNone/>
+            </a:pPr>
+            <a:r>
+              <a:rPr lang="pt-BR" sz="2400" dirty="0" smtClean="0"/>
+              <a:t>Parabéns </a:t>
             </a:r>
             <a:r>
               <a:rPr lang="pt-BR" sz="2400" dirty="0" smtClean="0">
@@ -8232,11 +8272,11 @@
                   <a:srgbClr val="FFC000"/>
                 </a:solidFill>
               </a:rPr>
-              <a:t> anos de idade!”, 	“</a:t>
+              <a:t>Manuel</a:t>
             </a:r>
             <a:r>
               <a:rPr lang="pt-BR" sz="2400" dirty="0" smtClean="0"/>
-              <a:t>Manuel</a:t>
+              <a:t> pelos seus </a:t>
             </a:r>
             <a:r>
               <a:rPr lang="pt-BR" sz="2400" dirty="0" smtClean="0">
@@ -8244,82 +8284,10 @@
                   <a:srgbClr val="FFC000"/>
                 </a:solidFill>
               </a:rPr>
-              <a:t>”, </a:t>
+              <a:t>27</a:t>
             </a:r>
             <a:r>
               <a:rPr lang="pt-BR" sz="2400" dirty="0" smtClean="0"/>
-              <a:t>27</a:t>
-            </a:r>
-            <a:r>
-              <a:rPr lang="pt-BR" sz="2400" dirty="0" smtClean="0">
-                <a:solidFill>
-                  <a:srgbClr val="FFC000"/>
-                </a:solidFill>
-              </a:rPr>
-              <a:t>);</a:t>
-            </a:r>
-          </a:p>
-          <a:p>
-            <a:pPr marL="0" indent="0" eaLnBrk="1" hangingPunct="1">
-              <a:buNone/>
-            </a:pPr>
-            <a:endParaRPr lang="pt-BR" sz="2400" dirty="0" smtClean="0">
-              <a:solidFill>
-                <a:srgbClr val="FFC000"/>
-              </a:solidFill>
-            </a:endParaRPr>
-          </a:p>
-          <a:p>
-            <a:pPr eaLnBrk="1" hangingPunct="1"/>
-            <a:r>
-              <a:rPr lang="pt-BR" dirty="0" smtClean="0"/>
-              <a:t>Saída:</a:t>
-            </a:r>
-          </a:p>
-          <a:p>
-            <a:pPr marL="0" indent="0" eaLnBrk="1" hangingPunct="1">
-              <a:buNone/>
-            </a:pPr>
-            <a:endParaRPr lang="pt-BR" sz="2400" dirty="0" smtClean="0">
-              <a:solidFill>
-                <a:srgbClr val="FFC000"/>
-              </a:solidFill>
-            </a:endParaRPr>
-          </a:p>
-          <a:p>
-            <a:pPr marL="0" indent="0" algn="ctr" eaLnBrk="1" hangingPunct="1">
-              <a:buNone/>
-            </a:pPr>
-            <a:r>
-              <a:rPr lang="pt-BR" sz="2400" dirty="0" smtClean="0">
-                <a:solidFill>
-                  <a:srgbClr val="FFC000"/>
-                </a:solidFill>
-              </a:rPr>
-              <a:t>Parabéns </a:t>
-            </a:r>
-            <a:r>
-              <a:rPr lang="pt-BR" sz="2400" dirty="0" smtClean="0"/>
-              <a:t>Manuel</a:t>
-            </a:r>
-            <a:r>
-              <a:rPr lang="pt-BR" sz="2400" dirty="0" smtClean="0">
-                <a:solidFill>
-                  <a:srgbClr val="FFC000"/>
-                </a:solidFill>
-              </a:rPr>
-              <a:t> pelos seus </a:t>
-            </a:r>
-            <a:r>
-              <a:rPr lang="pt-BR" sz="2400" dirty="0" smtClean="0"/>
-              <a:t>27</a:t>
-            </a:r>
-            <a:r>
-              <a:rPr lang="pt-BR" sz="2400" dirty="0" smtClean="0">
-                <a:solidFill>
-                  <a:srgbClr val="FFC000"/>
-                </a:solidFill>
-              </a:rPr>
               <a:t> anos de idade!</a:t>
             </a:r>
           </a:p>
@@ -8447,24 +8415,64 @@
               <a:buNone/>
             </a:pPr>
             <a:r>
+              <a:rPr lang="pt-BR" sz="2400" dirty="0" smtClean="0"/>
+              <a:t>System.</a:t>
+            </a:r>
+            <a:r>
+              <a:rPr lang="pt-BR" sz="2400" dirty="0" err="1" smtClean="0"/>
+              <a:t>out.</a:t>
+            </a:r>
+            <a:r>
+              <a:rPr lang="pt-BR" sz="2400" dirty="0" err="1" smtClean="0">
+                <a:solidFill>
+                  <a:srgbClr val="FFC000"/>
+                </a:solidFill>
+              </a:rPr>
+              <a:t>printf</a:t>
+            </a:r>
+            <a:r>
+              <a:rPr lang="pt-BR" sz="2400" dirty="0" smtClean="0"/>
+              <a:t>(“Valor a receber: %,.2f”, </a:t>
+            </a:r>
+            <a:r>
               <a:rPr lang="pt-BR" sz="2400" dirty="0" smtClean="0">
                 <a:solidFill>
                   <a:srgbClr val="FFC000"/>
                 </a:solidFill>
               </a:rPr>
-              <a:t>System.</a:t>
-            </a:r>
-            <a:r>
-              <a:rPr lang="pt-BR" sz="2400" dirty="0" err="1" smtClean="0">
-                <a:solidFill>
-                  <a:srgbClr val="FFC000"/>
-                </a:solidFill>
-              </a:rPr>
-              <a:t>out.</a:t>
-            </a:r>
-            <a:r>
-              <a:rPr lang="pt-BR" sz="2400" dirty="0" err="1" smtClean="0"/>
-              <a:t>printf</a:t>
+              <a:t>1270.5</a:t>
+            </a:r>
+            <a:r>
+              <a:rPr lang="pt-BR" sz="2400" dirty="0" smtClean="0"/>
+              <a:t>);</a:t>
+            </a:r>
+          </a:p>
+          <a:p>
+            <a:pPr marL="0" indent="0" eaLnBrk="1" hangingPunct="1">
+              <a:buNone/>
+            </a:pPr>
+            <a:endParaRPr lang="pt-BR" sz="2400" dirty="0" smtClean="0"/>
+          </a:p>
+          <a:p>
+            <a:pPr eaLnBrk="1" hangingPunct="1"/>
+            <a:r>
+              <a:rPr lang="pt-BR" dirty="0" smtClean="0"/>
+              <a:t>Saída:</a:t>
+            </a:r>
+          </a:p>
+          <a:p>
+            <a:pPr marL="0" indent="0" eaLnBrk="1" hangingPunct="1">
+              <a:buNone/>
+            </a:pPr>
+            <a:endParaRPr lang="pt-BR" sz="2400" dirty="0" smtClean="0"/>
+          </a:p>
+          <a:p>
+            <a:pPr marL="0" indent="0" algn="ctr" eaLnBrk="1" hangingPunct="1">
+              <a:buNone/>
+            </a:pPr>
+            <a:r>
+              <a:rPr lang="pt-BR" sz="2400" dirty="0" smtClean="0"/>
+              <a:t>Valor a receber: </a:t>
             </a:r>
             <a:r>
               <a:rPr lang="pt-BR" sz="2400" dirty="0" smtClean="0">
@@ -8472,69 +8480,8 @@
                   <a:srgbClr val="FFC000"/>
                 </a:solidFill>
               </a:rPr>
-              <a:t>(“Valor a receber: %,.2f”, </a:t>
-            </a:r>
-            <a:r>
-              <a:rPr lang="pt-BR" sz="2400" dirty="0" smtClean="0"/>
-              <a:t>1270.5</a:t>
-            </a:r>
-            <a:r>
-              <a:rPr lang="pt-BR" sz="2400" dirty="0" smtClean="0">
-                <a:solidFill>
-                  <a:srgbClr val="FFC000"/>
-                </a:solidFill>
-              </a:rPr>
-              <a:t>);</a:t>
-            </a:r>
-          </a:p>
-          <a:p>
-            <a:pPr marL="0" indent="0" eaLnBrk="1" hangingPunct="1">
-              <a:buNone/>
-            </a:pPr>
-            <a:endParaRPr lang="pt-BR" sz="2400" dirty="0" smtClean="0">
-              <a:solidFill>
-                <a:srgbClr val="FFC000"/>
-              </a:solidFill>
-            </a:endParaRPr>
-          </a:p>
-          <a:p>
-            <a:pPr eaLnBrk="1" hangingPunct="1"/>
-            <a:r>
-              <a:rPr lang="pt-BR" dirty="0" smtClean="0"/>
-              <a:t>Saída:</a:t>
-            </a:r>
-          </a:p>
-          <a:p>
-            <a:pPr marL="0" indent="0" eaLnBrk="1" hangingPunct="1">
-              <a:buNone/>
-            </a:pPr>
-            <a:endParaRPr lang="pt-BR" sz="2400" dirty="0" smtClean="0">
-              <a:solidFill>
-                <a:srgbClr val="FFC000"/>
-              </a:solidFill>
-            </a:endParaRPr>
-          </a:p>
-          <a:p>
-            <a:pPr marL="0" indent="0" algn="ctr" eaLnBrk="1" hangingPunct="1">
-              <a:buNone/>
-            </a:pPr>
-            <a:r>
-              <a:rPr lang="pt-BR" sz="2400" dirty="0" smtClean="0">
-                <a:solidFill>
-                  <a:srgbClr val="FFC000"/>
-                </a:solidFill>
-              </a:rPr>
-              <a:t>Valor a receber: </a:t>
-            </a:r>
-            <a:r>
-              <a:rPr lang="pt-BR" sz="2400" dirty="0" smtClean="0"/>
               <a:t>1.270,00</a:t>
             </a:r>
-            <a:endParaRPr lang="pt-BR" sz="2400" dirty="0" smtClean="0">
-              <a:solidFill>
-                <a:srgbClr val="FFC000"/>
-              </a:solidFill>
-            </a:endParaRPr>
           </a:p>
         </p:txBody>
       </p:sp>
@@ -8655,23 +8602,68 @@
             <a:pPr marL="0" indent="0" eaLnBrk="1" hangingPunct="1">
               <a:buNone/>
             </a:pPr>
-            <a:endParaRPr lang="pt-BR" sz="2000" dirty="0" smtClean="0">
-              <a:solidFill>
-                <a:srgbClr val="FFC000"/>
-              </a:solidFill>
-            </a:endParaRPr>
+            <a:endParaRPr lang="pt-BR" sz="2000" dirty="0" smtClean="0"/>
           </a:p>
           <a:p>
             <a:pPr marL="0" indent="0" eaLnBrk="1" hangingPunct="1">
               <a:buNone/>
             </a:pPr>
+            <a:r>
+              <a:rPr lang="pt-BR" sz="2000" dirty="0" smtClean="0"/>
+              <a:t>System.</a:t>
+            </a:r>
+            <a:r>
+              <a:rPr lang="pt-BR" sz="2000" dirty="0" err="1" smtClean="0"/>
+              <a:t>out.</a:t>
+            </a:r>
+            <a:r>
+              <a:rPr lang="pt-BR" sz="2000" dirty="0" err="1" smtClean="0">
+                <a:solidFill>
+                  <a:srgbClr val="FFC000"/>
+                </a:solidFill>
+              </a:rPr>
+              <a:t>printf</a:t>
+            </a:r>
+            <a:r>
+              <a:rPr lang="pt-BR" sz="2000" dirty="0" smtClean="0"/>
+              <a:t>(“</a:t>
+            </a:r>
             <a:r>
               <a:rPr lang="pt-BR" sz="2000" dirty="0" smtClean="0">
                 <a:solidFill>
                   <a:srgbClr val="FFC000"/>
                 </a:solidFill>
               </a:rPr>
+              <a:t>%10s</a:t>
+            </a:r>
+            <a:r>
+              <a:rPr lang="pt-BR" sz="2000" dirty="0" smtClean="0"/>
+              <a:t> &lt;=&gt; </a:t>
+            </a:r>
+            <a:r>
+              <a:rPr lang="pt-BR" sz="2000" dirty="0" smtClean="0">
+                <a:solidFill>
+                  <a:srgbClr val="FFC000"/>
+                </a:solidFill>
+              </a:rPr>
+              <a:t>%-10s</a:t>
+            </a:r>
+            <a:r>
+              <a:rPr lang="pt-BR" sz="2000" dirty="0" smtClean="0"/>
+              <a:t>”, “Manuel”, “Padeiro”);</a:t>
+            </a:r>
+          </a:p>
+          <a:p>
+            <a:pPr marL="0" indent="0" eaLnBrk="1" hangingPunct="1">
+              <a:buNone/>
+            </a:pPr>
+            <a:r>
+              <a:rPr lang="pt-BR" sz="2000" dirty="0" smtClean="0"/>
               <a:t>System.</a:t>
+            </a:r>
+            <a:r>
+              <a:rPr lang="pt-BR" sz="2000" dirty="0" err="1" smtClean="0"/>
+              <a:t>out.</a:t>
             </a:r>
             <a:r>
               <a:rPr lang="pt-BR" sz="2000" dirty="0" err="1" smtClean="0">
@@ -8679,11 +8671,11 @@
                   <a:srgbClr val="FFC000"/>
                 </a:solidFill>
               </a:rPr>
-              <a:t>out.</a:t>
-            </a:r>
-            <a:r>
-              <a:rPr lang="pt-BR" sz="2000" dirty="0" err="1" smtClean="0"/>
               <a:t>printf</a:t>
+            </a:r>
+            <a:r>
+              <a:rPr lang="pt-BR" sz="2000" dirty="0" smtClean="0"/>
+              <a:t>(“</a:t>
             </a:r>
             <a:r>
               <a:rPr lang="pt-BR" sz="2000" dirty="0" smtClean="0">
@@ -8691,11 +8683,11 @@
                   <a:srgbClr val="FFC000"/>
                 </a:solidFill>
               </a:rPr>
-              <a:t>(“</a:t>
+              <a:t>%10s</a:t>
             </a:r>
             <a:r>
               <a:rPr lang="pt-BR" sz="2000" dirty="0" smtClean="0"/>
-              <a:t>%10s</a:t>
+              <a:t> &lt;=&gt; </a:t>
             </a:r>
             <a:r>
               <a:rPr lang="pt-BR" sz="2000" dirty="0" smtClean="0">
@@ -8703,11 +8695,36 @@
                   <a:srgbClr val="FFC000"/>
                 </a:solidFill>
               </a:rPr>
-              <a:t> &lt;=&gt; </a:t>
+              <a:t>%-10s</a:t>
             </a:r>
             <a:r>
               <a:rPr lang="pt-BR" sz="2000" dirty="0" smtClean="0"/>
-              <a:t>%-10s</a:t>
+              <a:t>”, “Henrique”, “Office Boy”);</a:t>
+            </a:r>
+          </a:p>
+          <a:p>
+            <a:pPr marL="0" indent="0" eaLnBrk="1" hangingPunct="1">
+              <a:buNone/>
+            </a:pPr>
+            <a:r>
+              <a:rPr lang="pt-BR" sz="2000" dirty="0" smtClean="0"/>
+              <a:t>System.</a:t>
+            </a:r>
+            <a:r>
+              <a:rPr lang="pt-BR" sz="2000" dirty="0" err="1" smtClean="0"/>
+              <a:t>out.</a:t>
+            </a:r>
+            <a:r>
+              <a:rPr lang="pt-BR" sz="2000" dirty="0" err="1" smtClean="0">
+                <a:solidFill>
+                  <a:srgbClr val="FFC000"/>
+                </a:solidFill>
+              </a:rPr>
+              <a:t>printf</a:t>
+            </a:r>
+            <a:r>
+              <a:rPr lang="pt-BR" sz="2000" dirty="0" smtClean="0"/>
+              <a:t>(“</a:t>
             </a:r>
             <a:r>
               <a:rPr lang="pt-BR" sz="2000" dirty="0" smtClean="0">
@@ -8715,132 +8732,30 @@
                   <a:srgbClr val="FFC000"/>
                 </a:solidFill>
               </a:rPr>
-              <a:t>”, “Manuel”, “Padeiro”);</a:t>
-            </a:r>
-          </a:p>
-          <a:p>
-            <a:pPr marL="0" indent="0" eaLnBrk="1" hangingPunct="1">
-              <a:buNone/>
-            </a:pPr>
+              <a:t>%10s</a:t>
+            </a:r>
+            <a:r>
+              <a:rPr lang="pt-BR" sz="2000" dirty="0" smtClean="0"/>
+              <a:t> &lt;=&gt; </a:t>
+            </a:r>
             <a:r>
               <a:rPr lang="pt-BR" sz="2000" dirty="0" smtClean="0">
                 <a:solidFill>
                   <a:srgbClr val="FFC000"/>
                 </a:solidFill>
               </a:rPr>
-              <a:t>System.</a:t>
-            </a:r>
-            <a:r>
-              <a:rPr lang="pt-BR" sz="2000" dirty="0" err="1" smtClean="0">
-                <a:solidFill>
-                  <a:srgbClr val="FFC000"/>
-                </a:solidFill>
-              </a:rPr>
-              <a:t>out.</a:t>
-            </a:r>
-            <a:r>
-              <a:rPr lang="pt-BR" sz="2000" dirty="0" err="1" smtClean="0"/>
-              <a:t>printf</a:t>
-            </a:r>
-            <a:r>
-              <a:rPr lang="pt-BR" sz="2000" dirty="0" smtClean="0">
-                <a:solidFill>
-                  <a:srgbClr val="FFC000"/>
-                </a:solidFill>
-              </a:rPr>
-              <a:t>(“</a:t>
+              <a:t>%-10s</a:t>
             </a:r>
             <a:r>
               <a:rPr lang="pt-BR" sz="2000" dirty="0" smtClean="0"/>
-              <a:t>%10s</a:t>
-            </a:r>
-            <a:r>
-              <a:rPr lang="pt-BR" sz="2000" dirty="0" smtClean="0">
-                <a:solidFill>
-                  <a:srgbClr val="FFC000"/>
-                </a:solidFill>
-              </a:rPr>
-              <a:t> &lt;=&gt; </a:t>
-            </a:r>
-            <a:r>
-              <a:rPr lang="pt-BR" sz="2000" dirty="0" smtClean="0"/>
-              <a:t>%-10s</a:t>
-            </a:r>
-            <a:r>
-              <a:rPr lang="pt-BR" sz="2000" dirty="0" smtClean="0">
-                <a:solidFill>
-                  <a:srgbClr val="FFC000"/>
-                </a:solidFill>
-              </a:rPr>
-              <a:t>”, “Henrique”, “Office Boy”);</a:t>
+              <a:t>”, “Maria”, “Caixa”);</a:t>
             </a:r>
           </a:p>
           <a:p>
             <a:pPr marL="0" indent="0" eaLnBrk="1" hangingPunct="1">
               <a:buNone/>
             </a:pPr>
-            <a:r>
-              <a:rPr lang="pt-BR" sz="2000" dirty="0" smtClean="0">
-                <a:solidFill>
-                  <a:srgbClr val="FFC000"/>
-                </a:solidFill>
-              </a:rPr>
-              <a:t>System.</a:t>
-            </a:r>
-            <a:r>
-              <a:rPr lang="pt-BR" sz="2000" dirty="0" err="1" smtClean="0">
-                <a:solidFill>
-                  <a:srgbClr val="FFC000"/>
-                </a:solidFill>
-              </a:rPr>
-              <a:t>out.</a:t>
-            </a:r>
-            <a:r>
-              <a:rPr lang="pt-BR" sz="2000" dirty="0" err="1" smtClean="0"/>
-              <a:t>printf</a:t>
-            </a:r>
-            <a:r>
-              <a:rPr lang="pt-BR" sz="2000" dirty="0" smtClean="0">
-                <a:solidFill>
-                  <a:srgbClr val="FFC000"/>
-                </a:solidFill>
-              </a:rPr>
-              <a:t>(“</a:t>
-            </a:r>
-            <a:r>
-              <a:rPr lang="pt-BR" sz="2000" dirty="0" smtClean="0"/>
-              <a:t>%10s</a:t>
-            </a:r>
-            <a:r>
-              <a:rPr lang="pt-BR" sz="2000" dirty="0" smtClean="0">
-                <a:solidFill>
-                  <a:srgbClr val="FFC000"/>
-                </a:solidFill>
-              </a:rPr>
-              <a:t> &lt;=&gt; </a:t>
-            </a:r>
-            <a:r>
-              <a:rPr lang="pt-BR" sz="2000" dirty="0" smtClean="0"/>
-              <a:t>%-10s</a:t>
-            </a:r>
-            <a:r>
-              <a:rPr lang="pt-BR" sz="2000" dirty="0" smtClean="0">
-                <a:solidFill>
-                  <a:srgbClr val="FFC000"/>
-                </a:solidFill>
-              </a:rPr>
-              <a:t>”, “Maria”, “Caixa”);</a:t>
-            </a:r>
-          </a:p>
-          <a:p>
-            <a:pPr marL="0" indent="0" eaLnBrk="1" hangingPunct="1">
-              <a:buNone/>
-            </a:pPr>
-            <a:endParaRPr lang="pt-BR" sz="2000" dirty="0" smtClean="0">
-              <a:solidFill>
-                <a:srgbClr val="FFC000"/>
-              </a:solidFill>
-            </a:endParaRPr>
+            <a:endParaRPr lang="pt-BR" sz="2000" dirty="0" smtClean="0"/>
           </a:p>
           <a:p>
             <a:pPr eaLnBrk="1" hangingPunct="1"/>
@@ -8853,11 +8768,7 @@
             <a:pPr marL="0" indent="0" algn="ctr" eaLnBrk="1" hangingPunct="1">
               <a:buNone/>
             </a:pPr>
-            <a:endParaRPr lang="pt-BR" sz="2000" dirty="0" smtClean="0">
-              <a:solidFill>
-                <a:srgbClr val="FFC000"/>
-              </a:solidFill>
-            </a:endParaRPr>
+            <a:endParaRPr lang="pt-BR" sz="2000" dirty="0" smtClean="0"/>
           </a:p>
           <a:p>
             <a:pPr marL="0" indent="0" eaLnBrk="1" hangingPunct="1">
@@ -8868,11 +8779,7 @@
               </a:tabLst>
             </a:pPr>
             <a:r>
-              <a:rPr lang="pt-BR" sz="2000" dirty="0" smtClean="0">
-                <a:solidFill>
-                  <a:srgbClr val="FFC000"/>
-                </a:solidFill>
-              </a:rPr>
+              <a:rPr lang="pt-BR" sz="2000" dirty="0" smtClean="0"/>
               <a:t>	Manuel	&lt;=&gt; Padeiro</a:t>
             </a:r>
           </a:p>
@@ -8885,11 +8792,7 @@
               </a:tabLst>
             </a:pPr>
             <a:r>
-              <a:rPr lang="pt-BR" sz="2000" dirty="0" smtClean="0">
-                <a:solidFill>
-                  <a:srgbClr val="FFC000"/>
-                </a:solidFill>
-              </a:rPr>
+              <a:rPr lang="pt-BR" sz="2000" dirty="0" smtClean="0"/>
               <a:t>	Henrique	&lt;=&gt; Office Boy</a:t>
             </a:r>
           </a:p>
@@ -8902,11 +8805,7 @@
               </a:tabLst>
             </a:pPr>
             <a:r>
-              <a:rPr lang="pt-BR" sz="2000" dirty="0" smtClean="0">
-                <a:solidFill>
-                  <a:srgbClr val="FFC000"/>
-                </a:solidFill>
-              </a:rPr>
+              <a:rPr lang="pt-BR" sz="2000" dirty="0" smtClean="0"/>
               <a:t>	Maria	&lt;=&gt; Caixa</a:t>
             </a:r>
           </a:p>
@@ -8914,11 +8813,7 @@
             <a:pPr marL="0" indent="0" algn="ctr" eaLnBrk="1" hangingPunct="1">
               <a:buNone/>
             </a:pPr>
-            <a:endParaRPr lang="pt-BR" sz="2400" dirty="0" smtClean="0">
-              <a:solidFill>
-                <a:srgbClr val="FFC000"/>
-              </a:solidFill>
-            </a:endParaRPr>
+            <a:endParaRPr lang="pt-BR" sz="2400" dirty="0" smtClean="0"/>
           </a:p>
         </p:txBody>
       </p:sp>
@@ -10353,97 +10248,81 @@
               <a:buNone/>
             </a:pPr>
             <a:r>
-              <a:rPr lang="pt-BR" sz="2400" dirty="0" smtClean="0"/>
-              <a:t>System.</a:t>
-            </a:r>
-            <a:r>
-              <a:rPr lang="pt-BR" sz="2400" dirty="0" err="1" smtClean="0"/>
-              <a:t>out.printf</a:t>
-            </a:r>
-            <a:r>
               <a:rPr lang="pt-BR" sz="2400" dirty="0" smtClean="0">
                 <a:solidFill>
                   <a:srgbClr val="FFC000"/>
                 </a:solidFill>
               </a:rPr>
-              <a:t>(“FORMATO”, valor1, valor2, ...);</a:t>
-            </a:r>
-          </a:p>
-          <a:p>
-            <a:pPr marL="0" indent="0" algn="ctr" eaLnBrk="1" hangingPunct="1">
-              <a:buNone/>
-            </a:pPr>
-            <a:endParaRPr lang="pt-BR" sz="2400" dirty="0" smtClean="0">
-              <a:solidFill>
-                <a:srgbClr val="FFC000"/>
-              </a:solidFill>
-            </a:endParaRPr>
-          </a:p>
-          <a:p>
-            <a:pPr marL="0" indent="0" algn="ctr" eaLnBrk="1" hangingPunct="1">
-              <a:buNone/>
-            </a:pPr>
-            <a:r>
-              <a:rPr lang="pt-BR" sz="2400" dirty="0" smtClean="0">
-                <a:solidFill>
-                  <a:srgbClr val="FFC000"/>
-                </a:solidFill>
-              </a:rPr>
-              <a:t>é equivalente a...</a:t>
-            </a:r>
-          </a:p>
-          <a:p>
-            <a:pPr marL="0" indent="0" algn="ctr" eaLnBrk="1" hangingPunct="1">
-              <a:buNone/>
-            </a:pPr>
-            <a:endParaRPr lang="pt-BR" sz="2400" dirty="0" smtClean="0">
-              <a:solidFill>
-                <a:srgbClr val="FFC000"/>
-              </a:solidFill>
-            </a:endParaRPr>
-          </a:p>
-          <a:p>
-            <a:pPr marL="0" indent="0" algn="ctr" eaLnBrk="1" hangingPunct="1">
-              <a:buNone/>
-            </a:pPr>
+              <a:t>System.</a:t>
+            </a:r>
             <a:r>
               <a:rPr lang="pt-BR" sz="2400" dirty="0" err="1" smtClean="0">
                 <a:solidFill>
                   <a:srgbClr val="FFC000"/>
                 </a:solidFill>
               </a:rPr>
+              <a:t>out.printf</a:t>
+            </a:r>
+            <a:r>
+              <a:rPr lang="pt-BR" sz="2400" dirty="0" smtClean="0"/>
+              <a:t>(“FORMATO”, valor1, valor2, ...);</a:t>
+            </a:r>
+          </a:p>
+          <a:p>
+            <a:pPr marL="0" indent="0" algn="ctr" eaLnBrk="1" hangingPunct="1">
+              <a:buNone/>
+            </a:pPr>
+            <a:endParaRPr lang="pt-BR" sz="2400" dirty="0" smtClean="0"/>
+          </a:p>
+          <a:p>
+            <a:pPr marL="0" indent="0" algn="ctr" eaLnBrk="1" hangingPunct="1">
+              <a:buNone/>
+            </a:pPr>
+            <a:r>
+              <a:rPr lang="pt-BR" sz="2400" dirty="0" smtClean="0"/>
+              <a:t>é equivalente a...</a:t>
+            </a:r>
+          </a:p>
+          <a:p>
+            <a:pPr marL="0" indent="0" algn="ctr" eaLnBrk="1" hangingPunct="1">
+              <a:buNone/>
+            </a:pPr>
+            <a:endParaRPr lang="pt-BR" sz="2400" dirty="0" smtClean="0"/>
+          </a:p>
+          <a:p>
+            <a:pPr marL="0" indent="0" algn="ctr" eaLnBrk="1" hangingPunct="1">
+              <a:buNone/>
+            </a:pPr>
+            <a:r>
+              <a:rPr lang="pt-BR" sz="2400" dirty="0" err="1" smtClean="0"/>
               <a:t>new</a:t>
             </a:r>
             <a:r>
-              <a:rPr lang="pt-BR" sz="2400" dirty="0" smtClean="0">
+              <a:rPr lang="pt-BR" sz="2400" dirty="0" smtClean="0"/>
+              <a:t> </a:t>
+            </a:r>
+            <a:r>
+              <a:rPr lang="pt-BR" sz="2400" dirty="0" err="1" smtClean="0">
                 <a:solidFill>
                   <a:srgbClr val="FFC000"/>
                 </a:solidFill>
               </a:rPr>
-              <a:t> </a:t>
-            </a:r>
-            <a:r>
-              <a:rPr lang="pt-BR" sz="2400" dirty="0" err="1" smtClean="0"/>
               <a:t>Formatter</a:t>
             </a:r>
             <a:r>
-              <a:rPr lang="pt-BR" sz="2400" dirty="0" smtClean="0">
+              <a:rPr lang="pt-BR" sz="2400" dirty="0" smtClean="0"/>
+              <a:t>(System.out).</a:t>
+            </a:r>
+            <a:r>
+              <a:rPr lang="pt-BR" sz="2400" dirty="0" err="1" smtClean="0">
                 <a:solidFill>
                   <a:srgbClr val="FFC000"/>
                 </a:solidFill>
               </a:rPr>
-              <a:t>(System.out).</a:t>
-            </a:r>
-            <a:r>
-              <a:rPr lang="pt-BR" sz="2400" dirty="0" err="1" smtClean="0"/>
               <a:t>format</a:t>
             </a:r>
             <a:r>
-              <a:rPr lang="pt-BR" sz="2400" dirty="0" smtClean="0">
-                <a:solidFill>
-                  <a:srgbClr val="FFC000"/>
-                </a:solidFill>
-              </a:rPr>
+              <a:rPr lang="pt-BR" sz="2400" dirty="0" smtClean="0"/>
               <a:t>(“FORMATO”, valor1, valor2, ...);</a:t>
             </a:r>
           </a:p>
@@ -10451,11 +10330,7 @@
             <a:pPr marL="0" indent="0" algn="ctr" eaLnBrk="1" hangingPunct="1">
               <a:buNone/>
             </a:pPr>
-            <a:endParaRPr lang="pt-BR" sz="3200" dirty="0" smtClean="0">
-              <a:solidFill>
-                <a:srgbClr val="FFC000"/>
-              </a:solidFill>
-            </a:endParaRPr>
+            <a:endParaRPr lang="pt-BR" sz="3200" dirty="0" smtClean="0"/>
           </a:p>
         </p:txBody>
       </p:sp>
@@ -10586,12 +10461,53 @@
               <a:buNone/>
             </a:pPr>
             <a:r>
+              <a:rPr lang="pt-BR" sz="2400" dirty="0" err="1" smtClean="0"/>
+              <a:t>Formatter</a:t>
+            </a:r>
+            <a:r>
+              <a:rPr lang="pt-BR" sz="2400" dirty="0" smtClean="0"/>
+              <a:t> </a:t>
+            </a:r>
+            <a:r>
               <a:rPr lang="pt-BR" sz="2400" dirty="0" err="1" smtClean="0">
                 <a:solidFill>
                   <a:srgbClr val="FFC000"/>
                 </a:solidFill>
               </a:rPr>
+              <a:t>formatter</a:t>
+            </a:r>
+            <a:r>
+              <a:rPr lang="pt-BR" sz="2400" dirty="0" smtClean="0"/>
+              <a:t> = </a:t>
+            </a:r>
+            <a:r>
+              <a:rPr lang="pt-BR" sz="2400" dirty="0" err="1" smtClean="0"/>
+              <a:t>new</a:t>
+            </a:r>
+            <a:r>
+              <a:rPr lang="pt-BR" sz="2400" dirty="0" smtClean="0"/>
+              <a:t> </a:t>
+            </a:r>
+            <a:r>
+              <a:rPr lang="pt-BR" sz="2400" dirty="0" err="1" smtClean="0"/>
               <a:t>Formatter</a:t>
+            </a:r>
+            <a:r>
+              <a:rPr lang="pt-BR" sz="2400" dirty="0" smtClean="0"/>
+              <a:t>();</a:t>
+            </a:r>
+          </a:p>
+          <a:p>
+            <a:pPr marL="449263" indent="0" eaLnBrk="1" hangingPunct="1">
+              <a:buNone/>
+            </a:pPr>
+            <a:r>
+              <a:rPr lang="pt-BR" sz="2400" dirty="0" err="1" smtClean="0">
+                <a:solidFill>
+                  <a:srgbClr val="FFC000"/>
+                </a:solidFill>
+              </a:rPr>
+              <a:t>formatter</a:t>
             </a:r>
             <a:r>
               <a:rPr lang="pt-BR" sz="2400" dirty="0" smtClean="0">
@@ -10599,10 +10515,54 @@
                   <a:srgbClr val="FFC000"/>
                 </a:solidFill>
               </a:rPr>
-              <a:t> </a:t>
-            </a:r>
-            <a:r>
-              <a:rPr lang="pt-BR" sz="2400" dirty="0" err="1" smtClean="0"/>
+              <a:t>.</a:t>
+            </a:r>
+            <a:r>
+              <a:rPr lang="pt-BR" sz="2400" dirty="0" err="1" smtClean="0">
+                <a:solidFill>
+                  <a:srgbClr val="FFC000"/>
+                </a:solidFill>
+              </a:rPr>
+              <a:t>format</a:t>
+            </a:r>
+            <a:r>
+              <a:rPr lang="pt-BR" sz="2400" dirty="0" smtClean="0"/>
+              <a:t>(“FORMATO”, valor1, valor2, ...);</a:t>
+            </a:r>
+            <a:endParaRPr lang="pt-BR" sz="3200" dirty="0" smtClean="0"/>
+          </a:p>
+          <a:p>
+            <a:pPr marL="449263" indent="0" eaLnBrk="1" hangingPunct="1">
+              <a:buNone/>
+            </a:pPr>
+            <a:endParaRPr lang="pt-BR" sz="3200" dirty="0" smtClean="0"/>
+          </a:p>
+          <a:p>
+            <a:pPr marL="449263" indent="0" eaLnBrk="1" hangingPunct="1">
+              <a:buNone/>
+            </a:pPr>
+            <a:r>
+              <a:rPr lang="pt-BR" sz="2400" dirty="0" smtClean="0"/>
+              <a:t>String </a:t>
+            </a:r>
+            <a:r>
+              <a:rPr lang="pt-BR" sz="2400" dirty="0" err="1" smtClean="0">
+                <a:solidFill>
+                  <a:srgbClr val="FFC000"/>
+                </a:solidFill>
+              </a:rPr>
+              <a:t>result</a:t>
+            </a:r>
+            <a:r>
+              <a:rPr lang="pt-BR" sz="2400" dirty="0" smtClean="0"/>
+              <a:t> = </a:t>
+            </a:r>
+            <a:r>
+              <a:rPr lang="pt-BR" sz="2400" dirty="0" err="1" smtClean="0">
+                <a:solidFill>
+                  <a:srgbClr val="FFC000"/>
+                </a:solidFill>
+              </a:rPr>
               <a:t>formatter</a:t>
             </a:r>
             <a:r>
@@ -10611,7 +10571,7 @@
                   <a:srgbClr val="FFC000"/>
                 </a:solidFill>
               </a:rPr>
-              <a:t> = </a:t>
+              <a:t>.</a:t>
             </a:r>
             <a:r>
               <a:rPr lang="pt-BR" sz="2400" dirty="0" err="1" smtClean="0">
@@ -10619,7 +10579,7 @@
                   <a:srgbClr val="FFC000"/>
                 </a:solidFill>
               </a:rPr>
-              <a:t>new</a:t>
+              <a:t>toString</a:t>
             </a:r>
             <a:r>
               <a:rPr lang="pt-BR" sz="2400" dirty="0" smtClean="0">
@@ -10627,111 +10587,10 @@
                   <a:srgbClr val="FFC000"/>
                 </a:solidFill>
               </a:rPr>
-              <a:t> </a:t>
-            </a:r>
-            <a:r>
-              <a:rPr lang="pt-BR" sz="2400" dirty="0" err="1" smtClean="0">
-                <a:solidFill>
-                  <a:srgbClr val="FFC000"/>
-                </a:solidFill>
-              </a:rPr>
-              <a:t>Formatter</a:t>
-            </a:r>
-            <a:r>
-              <a:rPr lang="pt-BR" sz="2400" dirty="0" smtClean="0">
-                <a:solidFill>
-                  <a:srgbClr val="FFC000"/>
-                </a:solidFill>
-              </a:rPr>
-              <a:t>();</a:t>
-            </a:r>
-          </a:p>
-          <a:p>
-            <a:pPr marL="449263" indent="0" eaLnBrk="1" hangingPunct="1">
-              <a:buNone/>
-            </a:pPr>
-            <a:r>
-              <a:rPr lang="pt-BR" sz="2400" dirty="0" err="1" smtClean="0"/>
-              <a:t>formatter</a:t>
+              <a:t>()</a:t>
             </a:r>
             <a:r>
               <a:rPr lang="pt-BR" sz="2400" dirty="0" smtClean="0"/>
-              <a:t>.</a:t>
-            </a:r>
-            <a:r>
-              <a:rPr lang="pt-BR" sz="2400" dirty="0" err="1" smtClean="0"/>
-              <a:t>format</a:t>
-            </a:r>
-            <a:r>
-              <a:rPr lang="pt-BR" sz="2400" dirty="0" smtClean="0">
-                <a:solidFill>
-                  <a:srgbClr val="FFC000"/>
-                </a:solidFill>
-              </a:rPr>
-              <a:t>(“FORMATO”, valor1, valor2, ...);</a:t>
-            </a:r>
-            <a:endParaRPr lang="pt-BR" sz="3200" dirty="0" smtClean="0">
-              <a:solidFill>
-                <a:srgbClr val="FFC000"/>
-              </a:solidFill>
-            </a:endParaRPr>
-          </a:p>
-          <a:p>
-            <a:pPr marL="449263" indent="0" eaLnBrk="1" hangingPunct="1">
-              <a:buNone/>
-            </a:pPr>
-            <a:endParaRPr lang="pt-BR" sz="3200" dirty="0" smtClean="0">
-              <a:solidFill>
-                <a:srgbClr val="FFC000"/>
-              </a:solidFill>
-            </a:endParaRPr>
-          </a:p>
-          <a:p>
-            <a:pPr marL="449263" indent="0" eaLnBrk="1" hangingPunct="1">
-              <a:buNone/>
-            </a:pPr>
-            <a:r>
-              <a:rPr lang="pt-BR" sz="2400" dirty="0" smtClean="0">
-                <a:solidFill>
-                  <a:srgbClr val="FFC000"/>
-                </a:solidFill>
-              </a:rPr>
-              <a:t>String </a:t>
-            </a:r>
-            <a:r>
-              <a:rPr lang="pt-BR" sz="2400" dirty="0" err="1" smtClean="0"/>
-              <a:t>result</a:t>
-            </a:r>
-            <a:r>
-              <a:rPr lang="pt-BR" sz="2400" dirty="0" smtClean="0">
-                <a:solidFill>
-                  <a:srgbClr val="FFC000"/>
-                </a:solidFill>
-              </a:rPr>
-              <a:t> = </a:t>
-            </a:r>
-            <a:r>
-              <a:rPr lang="pt-BR" sz="2400" dirty="0" err="1" smtClean="0"/>
-              <a:t>formatter</a:t>
-            </a:r>
-            <a:r>
-              <a:rPr lang="pt-BR" sz="2400" dirty="0" smtClean="0"/>
-              <a:t>.</a:t>
-            </a:r>
-            <a:r>
-              <a:rPr lang="pt-BR" sz="2400" dirty="0" err="1" smtClean="0"/>
-              <a:t>toString</a:t>
-            </a:r>
-            <a:r>
-              <a:rPr lang="pt-BR" sz="2400" dirty="0" smtClean="0"/>
-              <a:t>()</a:t>
-            </a:r>
-            <a:r>
-              <a:rPr lang="pt-BR" sz="2400" dirty="0" smtClean="0">
-                <a:solidFill>
-                  <a:srgbClr val="FFC000"/>
-                </a:solidFill>
-              </a:rPr>
               <a:t>;</a:t>
             </a:r>
           </a:p>

--- a/2-Java-Programmer-Modulo-II/02.Capitulo01.pptx
+++ b/2-Java-Programmer-Modulo-II/02.Capitulo01.pptx
@@ -258,7 +258,7 @@
               <a:pPr>
                 <a:defRPr/>
               </a:pPr>
-              <a:t>04/04/2012</a:t>
+              <a:t>05/05/2012</a:t>
             </a:fld>
             <a:endParaRPr lang="pt-BR"/>
           </a:p>
@@ -2237,7 +2237,7 @@
               <a:pPr>
                 <a:defRPr/>
               </a:pPr>
-              <a:t>04/04/2012</a:t>
+              <a:t>05/05/2012</a:t>
             </a:fld>
             <a:endParaRPr lang="pt-BR"/>
           </a:p>
@@ -2429,7 +2429,7 @@
               <a:pPr>
                 <a:defRPr/>
               </a:pPr>
-              <a:t>04/04/2012</a:t>
+              <a:t>05/05/2012</a:t>
             </a:fld>
             <a:endParaRPr lang="pt-BR"/>
           </a:p>
@@ -2631,7 +2631,7 @@
               <a:pPr>
                 <a:defRPr/>
               </a:pPr>
-              <a:t>04/04/2012</a:t>
+              <a:t>05/05/2012</a:t>
             </a:fld>
             <a:endParaRPr lang="pt-BR"/>
           </a:p>
@@ -2827,7 +2827,7 @@
               <a:pPr>
                 <a:defRPr/>
               </a:pPr>
-              <a:t>04/04/2012</a:t>
+              <a:t>05/05/2012</a:t>
             </a:fld>
             <a:endParaRPr lang="pt-BR"/>
           </a:p>
@@ -3333,7 +3333,7 @@
               <a:pPr>
                 <a:defRPr/>
               </a:pPr>
-              <a:t>04/04/2012</a:t>
+              <a:t>05/05/2012</a:t>
             </a:fld>
             <a:endParaRPr lang="pt-BR"/>
           </a:p>
@@ -3624,7 +3624,7 @@
               <a:pPr>
                 <a:defRPr/>
               </a:pPr>
-              <a:t>04/04/2012</a:t>
+              <a:t>05/05/2012</a:t>
             </a:fld>
             <a:endParaRPr lang="pt-BR"/>
           </a:p>
@@ -4025,7 +4025,7 @@
               <a:pPr>
                 <a:defRPr/>
               </a:pPr>
-              <a:t>04/04/2012</a:t>
+              <a:t>05/05/2012</a:t>
             </a:fld>
             <a:endParaRPr lang="pt-BR"/>
           </a:p>
@@ -4174,7 +4174,7 @@
               <a:pPr>
                 <a:defRPr/>
               </a:pPr>
-              <a:t>04/04/2012</a:t>
+              <a:t>05/05/2012</a:t>
             </a:fld>
             <a:endParaRPr lang="pt-BR"/>
           </a:p>
@@ -4291,7 +4291,7 @@
               <a:pPr>
                 <a:defRPr/>
               </a:pPr>
-              <a:t>04/04/2012</a:t>
+              <a:t>05/05/2012</a:t>
             </a:fld>
             <a:endParaRPr lang="pt-BR"/>
           </a:p>
@@ -4567,7 +4567,7 @@
               <a:pPr>
                 <a:defRPr/>
               </a:pPr>
-              <a:t>04/04/2012</a:t>
+              <a:t>05/05/2012</a:t>
             </a:fld>
             <a:endParaRPr lang="pt-BR"/>
           </a:p>
@@ -4851,7 +4851,7 @@
               <a:pPr>
                 <a:defRPr/>
               </a:pPr>
-              <a:t>04/04/2012</a:t>
+              <a:t>05/05/2012</a:t>
             </a:fld>
             <a:endParaRPr lang="pt-BR"/>
           </a:p>
@@ -5329,7 +5329,7 @@
               <a:pPr>
                 <a:defRPr/>
               </a:pPr>
-              <a:t>04/04/2012</a:t>
+              <a:t>05/05/2012</a:t>
             </a:fld>
             <a:endParaRPr lang="pt-BR"/>
           </a:p>
@@ -5911,7 +5911,17 @@
               <a:rPr lang="pt-BR" cap="none" dirty="0" smtClean="0"/>
               <a:t>Formatação de dados</a:t>
             </a:r>
-            <a:endParaRPr lang="pt-BR" cap="none" dirty="0"/>
+            <a:br>
+              <a:rPr lang="pt-BR" cap="none" dirty="0" smtClean="0"/>
+            </a:br>
+            <a:r>
+              <a:rPr lang="pt-BR" sz="1800" cap="none" dirty="0" smtClean="0"/>
+              <a:t>Pág. 29 a 31, 37 a 38</a:t>
+            </a:r>
+            <a:br>
+              <a:rPr lang="pt-BR" sz="1800" cap="none" dirty="0" smtClean="0"/>
+            </a:br>
+            <a:endParaRPr lang="pt-BR" sz="1800" cap="none" dirty="0"/>
           </a:p>
         </p:txBody>
       </p:sp>

--- a/2-Java-Programmer-Modulo-II/02.Capitulo01.pptx
+++ b/2-Java-Programmer-Modulo-II/02.Capitulo01.pptx
@@ -258,7 +258,7 @@
               <a:pPr>
                 <a:defRPr/>
               </a:pPr>
-              <a:t>05/05/2012</a:t>
+              <a:t>07/05/2012</a:t>
             </a:fld>
             <a:endParaRPr lang="pt-BR"/>
           </a:p>
@@ -446,7 +446,7 @@
               <a:pPr>
                 <a:defRPr/>
               </a:pPr>
-              <a:t>‹nº›</a:t>
+              <a:t>‹#›</a:t>
             </a:fld>
             <a:endParaRPr lang="pt-BR"/>
           </a:p>
@@ -2237,7 +2237,7 @@
               <a:pPr>
                 <a:defRPr/>
               </a:pPr>
-              <a:t>05/05/2012</a:t>
+              <a:t>07/05/2012</a:t>
             </a:fld>
             <a:endParaRPr lang="pt-BR"/>
           </a:p>
@@ -2296,7 +2296,7 @@
               <a:pPr>
                 <a:defRPr/>
               </a:pPr>
-              <a:t>‹nº›</a:t>
+              <a:t>‹#›</a:t>
             </a:fld>
             <a:endParaRPr lang="pt-BR" dirty="0"/>
           </a:p>
@@ -2429,7 +2429,7 @@
               <a:pPr>
                 <a:defRPr/>
               </a:pPr>
-              <a:t>05/05/2012</a:t>
+              <a:t>07/05/2012</a:t>
             </a:fld>
             <a:endParaRPr lang="pt-BR"/>
           </a:p>
@@ -2488,7 +2488,7 @@
               <a:pPr>
                 <a:defRPr/>
               </a:pPr>
-              <a:t>‹nº›</a:t>
+              <a:t>‹#›</a:t>
             </a:fld>
             <a:endParaRPr lang="pt-BR"/>
           </a:p>
@@ -2631,7 +2631,7 @@
               <a:pPr>
                 <a:defRPr/>
               </a:pPr>
-              <a:t>05/05/2012</a:t>
+              <a:t>07/05/2012</a:t>
             </a:fld>
             <a:endParaRPr lang="pt-BR"/>
           </a:p>
@@ -2690,7 +2690,7 @@
               <a:pPr>
                 <a:defRPr/>
               </a:pPr>
-              <a:t>‹nº›</a:t>
+              <a:t>‹#›</a:t>
             </a:fld>
             <a:endParaRPr lang="pt-BR"/>
           </a:p>
@@ -2827,7 +2827,7 @@
               <a:pPr>
                 <a:defRPr/>
               </a:pPr>
-              <a:t>05/05/2012</a:t>
+              <a:t>07/05/2012</a:t>
             </a:fld>
             <a:endParaRPr lang="pt-BR"/>
           </a:p>
@@ -2886,7 +2886,7 @@
               <a:pPr>
                 <a:defRPr/>
               </a:pPr>
-              <a:t>‹nº›</a:t>
+              <a:t>‹#›</a:t>
             </a:fld>
             <a:endParaRPr lang="pt-BR" dirty="0"/>
           </a:p>
@@ -3333,7 +3333,7 @@
               <a:pPr>
                 <a:defRPr/>
               </a:pPr>
-              <a:t>05/05/2012</a:t>
+              <a:t>07/05/2012</a:t>
             </a:fld>
             <a:endParaRPr lang="pt-BR"/>
           </a:p>
@@ -3392,7 +3392,7 @@
               <a:pPr>
                 <a:defRPr/>
               </a:pPr>
-              <a:t>‹nº›</a:t>
+              <a:t>‹#›</a:t>
             </a:fld>
             <a:endParaRPr lang="pt-BR"/>
           </a:p>
@@ -3624,7 +3624,7 @@
               <a:pPr>
                 <a:defRPr/>
               </a:pPr>
-              <a:t>05/05/2012</a:t>
+              <a:t>07/05/2012</a:t>
             </a:fld>
             <a:endParaRPr lang="pt-BR"/>
           </a:p>
@@ -3683,7 +3683,7 @@
               <a:pPr>
                 <a:defRPr/>
               </a:pPr>
-              <a:t>‹nº›</a:t>
+              <a:t>‹#›</a:t>
             </a:fld>
             <a:endParaRPr lang="pt-BR"/>
           </a:p>
@@ -4025,7 +4025,7 @@
               <a:pPr>
                 <a:defRPr/>
               </a:pPr>
-              <a:t>05/05/2012</a:t>
+              <a:t>07/05/2012</a:t>
             </a:fld>
             <a:endParaRPr lang="pt-BR"/>
           </a:p>
@@ -4084,7 +4084,7 @@
               <a:pPr>
                 <a:defRPr/>
               </a:pPr>
-              <a:t>‹nº›</a:t>
+              <a:t>‹#›</a:t>
             </a:fld>
             <a:endParaRPr lang="pt-BR"/>
           </a:p>
@@ -4174,7 +4174,7 @@
               <a:pPr>
                 <a:defRPr/>
               </a:pPr>
-              <a:t>05/05/2012</a:t>
+              <a:t>07/05/2012</a:t>
             </a:fld>
             <a:endParaRPr lang="pt-BR"/>
           </a:p>
@@ -4233,7 +4233,7 @@
               <a:pPr>
                 <a:defRPr/>
               </a:pPr>
-              <a:t>‹nº›</a:t>
+              <a:t>‹#›</a:t>
             </a:fld>
             <a:endParaRPr lang="pt-BR"/>
           </a:p>
@@ -4291,7 +4291,7 @@
               <a:pPr>
                 <a:defRPr/>
               </a:pPr>
-              <a:t>05/05/2012</a:t>
+              <a:t>07/05/2012</a:t>
             </a:fld>
             <a:endParaRPr lang="pt-BR"/>
           </a:p>
@@ -4350,7 +4350,7 @@
               <a:pPr>
                 <a:defRPr/>
               </a:pPr>
-              <a:t>‹nº›</a:t>
+              <a:t>‹#›</a:t>
             </a:fld>
             <a:endParaRPr lang="pt-BR"/>
           </a:p>
@@ -4567,7 +4567,7 @@
               <a:pPr>
                 <a:defRPr/>
               </a:pPr>
-              <a:t>05/05/2012</a:t>
+              <a:t>07/05/2012</a:t>
             </a:fld>
             <a:endParaRPr lang="pt-BR"/>
           </a:p>
@@ -4631,7 +4631,7 @@
               <a:pPr>
                 <a:defRPr/>
               </a:pPr>
-              <a:t>‹nº›</a:t>
+              <a:t>‹#›</a:t>
             </a:fld>
             <a:endParaRPr lang="pt-BR"/>
           </a:p>
@@ -4851,7 +4851,7 @@
               <a:pPr>
                 <a:defRPr/>
               </a:pPr>
-              <a:t>05/05/2012</a:t>
+              <a:t>07/05/2012</a:t>
             </a:fld>
             <a:endParaRPr lang="pt-BR"/>
           </a:p>
@@ -4910,7 +4910,7 @@
               <a:pPr>
                 <a:defRPr/>
               </a:pPr>
-              <a:t>‹nº›</a:t>
+              <a:t>‹#›</a:t>
             </a:fld>
             <a:endParaRPr lang="pt-BR"/>
           </a:p>
@@ -5329,7 +5329,7 @@
               <a:pPr>
                 <a:defRPr/>
               </a:pPr>
-              <a:t>05/05/2012</a:t>
+              <a:t>07/05/2012</a:t>
             </a:fld>
             <a:endParaRPr lang="pt-BR"/>
           </a:p>
@@ -5432,7 +5432,7 @@
               <a:pPr>
                 <a:defRPr/>
               </a:pPr>
-              <a:t>‹nº›</a:t>
+              <a:t>‹#›</a:t>
             </a:fld>
             <a:endParaRPr lang="pt-BR" dirty="0"/>
           </a:p>
@@ -8490,8 +8490,13 @@
                   <a:srgbClr val="FFC000"/>
                 </a:solidFill>
               </a:rPr>
-              <a:t>1.270,00</a:t>
-            </a:r>
+              <a:t>1.270,50</a:t>
+            </a:r>
+            <a:endParaRPr lang="pt-BR" sz="2400" dirty="0" smtClean="0">
+              <a:solidFill>
+                <a:srgbClr val="FFC000"/>
+              </a:solidFill>
+            </a:endParaRPr>
           </a:p>
         </p:txBody>
       </p:sp>
@@ -8597,7 +8602,12 @@
             <p:ph idx="1"/>
           </p:nvPr>
         </p:nvSpPr>
-        <p:spPr/>
+        <p:spPr>
+          <a:xfrm>
+            <a:off x="457200" y="1600200"/>
+            <a:ext cx="7615262" cy="4525963"/>
+          </a:xfrm>
+        </p:spPr>
         <p:txBody>
           <a:bodyPr/>
           <a:lstStyle/>
@@ -8620,14 +8630,10 @@
             </a:pPr>
             <a:r>
               <a:rPr lang="pt-BR" sz="2000" dirty="0" smtClean="0"/>
-              <a:t>System.</a:t>
-            </a:r>
-            <a:r>
-              <a:rPr lang="pt-BR" sz="2000" dirty="0" err="1" smtClean="0"/>
-              <a:t>out.</a:t>
-            </a:r>
-            <a:r>
-              <a:rPr lang="pt-BR" sz="2000" dirty="0" err="1" smtClean="0">
+              <a:t>System.out.</a:t>
+            </a:r>
+            <a:r>
+              <a:rPr lang="pt-BR" sz="2000" dirty="0" smtClean="0">
                 <a:solidFill>
                   <a:srgbClr val="FFC000"/>
                 </a:solidFill>
@@ -8656,11 +8662,23 @@
                   <a:srgbClr val="FFC000"/>
                 </a:solidFill>
               </a:rPr>
-              <a:t>%-10s</a:t>
+              <a:t>%-</a:t>
+            </a:r>
+            <a:r>
+              <a:rPr lang="pt-BR" sz="2000" dirty="0" smtClean="0">
+                <a:solidFill>
+                  <a:srgbClr val="FFC000"/>
+                </a:solidFill>
+              </a:rPr>
+              <a:t>10s%n</a:t>
             </a:r>
             <a:r>
               <a:rPr lang="pt-BR" sz="2000" dirty="0" smtClean="0"/>
-              <a:t>”, “Manuel”, “Padeiro”);</a:t>
+              <a:t>”, </a:t>
+            </a:r>
+            <a:r>
+              <a:rPr lang="pt-BR" sz="2000" dirty="0" smtClean="0"/>
+              <a:t>“Manuel”, “Padeiro”);</a:t>
             </a:r>
           </a:p>
           <a:p>
@@ -8669,14 +8687,10 @@
             </a:pPr>
             <a:r>
               <a:rPr lang="pt-BR" sz="2000" dirty="0" smtClean="0"/>
-              <a:t>System.</a:t>
-            </a:r>
-            <a:r>
-              <a:rPr lang="pt-BR" sz="2000" dirty="0" err="1" smtClean="0"/>
-              <a:t>out.</a:t>
-            </a:r>
-            <a:r>
-              <a:rPr lang="pt-BR" sz="2000" dirty="0" err="1" smtClean="0">
+              <a:t>System.out.</a:t>
+            </a:r>
+            <a:r>
+              <a:rPr lang="pt-BR" sz="2000" dirty="0" smtClean="0">
                 <a:solidFill>
                   <a:srgbClr val="FFC000"/>
                 </a:solidFill>
@@ -8705,11 +8719,23 @@
                   <a:srgbClr val="FFC000"/>
                 </a:solidFill>
               </a:rPr>
-              <a:t>%-10s</a:t>
+              <a:t>%-</a:t>
+            </a:r>
+            <a:r>
+              <a:rPr lang="pt-BR" sz="2000" dirty="0" smtClean="0">
+                <a:solidFill>
+                  <a:srgbClr val="FFC000"/>
+                </a:solidFill>
+              </a:rPr>
+              <a:t>10s%n</a:t>
             </a:r>
             <a:r>
               <a:rPr lang="pt-BR" sz="2000" dirty="0" smtClean="0"/>
-              <a:t>”, “Henrique”, “Office Boy”);</a:t>
+              <a:t>”, </a:t>
+            </a:r>
+            <a:r>
+              <a:rPr lang="pt-BR" sz="2000" dirty="0" smtClean="0"/>
+              <a:t>“Henrique”, “Office Boy”);</a:t>
             </a:r>
           </a:p>
           <a:p>
@@ -8718,14 +8744,10 @@
             </a:pPr>
             <a:r>
               <a:rPr lang="pt-BR" sz="2000" dirty="0" smtClean="0"/>
-              <a:t>System.</a:t>
-            </a:r>
-            <a:r>
-              <a:rPr lang="pt-BR" sz="2000" dirty="0" err="1" smtClean="0"/>
-              <a:t>out.</a:t>
-            </a:r>
-            <a:r>
-              <a:rPr lang="pt-BR" sz="2000" dirty="0" err="1" smtClean="0">
+              <a:t>System.out.</a:t>
+            </a:r>
+            <a:r>
+              <a:rPr lang="pt-BR" sz="2000" dirty="0" smtClean="0">
                 <a:solidFill>
                   <a:srgbClr val="FFC000"/>
                 </a:solidFill>
@@ -8754,11 +8776,23 @@
                   <a:srgbClr val="FFC000"/>
                 </a:solidFill>
               </a:rPr>
-              <a:t>%-10s</a:t>
+              <a:t>%-</a:t>
+            </a:r>
+            <a:r>
+              <a:rPr lang="pt-BR" sz="2000" dirty="0" smtClean="0">
+                <a:solidFill>
+                  <a:srgbClr val="FFC000"/>
+                </a:solidFill>
+              </a:rPr>
+              <a:t>10s%n</a:t>
             </a:r>
             <a:r>
               <a:rPr lang="pt-BR" sz="2000" dirty="0" smtClean="0"/>
-              <a:t>”, “Maria”, “Caixa”);</a:t>
+              <a:t>”, </a:t>
+            </a:r>
+            <a:r>
+              <a:rPr lang="pt-BR" sz="2000" dirty="0" smtClean="0"/>
+              <a:t>“Maria”, “Caixa”);</a:t>
             </a:r>
           </a:p>
           <a:p>

--- a/2-Java-Programmer-Modulo-II/02.Capitulo01.pptx
+++ b/2-Java-Programmer-Modulo-II/02.Capitulo01.pptx
@@ -258,7 +258,7 @@
               <a:pPr>
                 <a:defRPr/>
               </a:pPr>
-              <a:t>07/05/2012</a:t>
+              <a:t>05/05/2012</a:t>
             </a:fld>
             <a:endParaRPr lang="pt-BR"/>
           </a:p>
@@ -446,7 +446,7 @@
               <a:pPr>
                 <a:defRPr/>
               </a:pPr>
-              <a:t>‹#›</a:t>
+              <a:t>‹nº›</a:t>
             </a:fld>
             <a:endParaRPr lang="pt-BR"/>
           </a:p>
@@ -2237,7 +2237,7 @@
               <a:pPr>
                 <a:defRPr/>
               </a:pPr>
-              <a:t>07/05/2012</a:t>
+              <a:t>05/05/2012</a:t>
             </a:fld>
             <a:endParaRPr lang="pt-BR"/>
           </a:p>
@@ -2296,7 +2296,7 @@
               <a:pPr>
                 <a:defRPr/>
               </a:pPr>
-              <a:t>‹#›</a:t>
+              <a:t>‹nº›</a:t>
             </a:fld>
             <a:endParaRPr lang="pt-BR" dirty="0"/>
           </a:p>
@@ -2429,7 +2429,7 @@
               <a:pPr>
                 <a:defRPr/>
               </a:pPr>
-              <a:t>07/05/2012</a:t>
+              <a:t>05/05/2012</a:t>
             </a:fld>
             <a:endParaRPr lang="pt-BR"/>
           </a:p>
@@ -2488,7 +2488,7 @@
               <a:pPr>
                 <a:defRPr/>
               </a:pPr>
-              <a:t>‹#›</a:t>
+              <a:t>‹nº›</a:t>
             </a:fld>
             <a:endParaRPr lang="pt-BR"/>
           </a:p>
@@ -2631,7 +2631,7 @@
               <a:pPr>
                 <a:defRPr/>
               </a:pPr>
-              <a:t>07/05/2012</a:t>
+              <a:t>05/05/2012</a:t>
             </a:fld>
             <a:endParaRPr lang="pt-BR"/>
           </a:p>
@@ -2690,7 +2690,7 @@
               <a:pPr>
                 <a:defRPr/>
               </a:pPr>
-              <a:t>‹#›</a:t>
+              <a:t>‹nº›</a:t>
             </a:fld>
             <a:endParaRPr lang="pt-BR"/>
           </a:p>
@@ -2827,7 +2827,7 @@
               <a:pPr>
                 <a:defRPr/>
               </a:pPr>
-              <a:t>07/05/2012</a:t>
+              <a:t>05/05/2012</a:t>
             </a:fld>
             <a:endParaRPr lang="pt-BR"/>
           </a:p>
@@ -2886,7 +2886,7 @@
               <a:pPr>
                 <a:defRPr/>
               </a:pPr>
-              <a:t>‹#›</a:t>
+              <a:t>‹nº›</a:t>
             </a:fld>
             <a:endParaRPr lang="pt-BR" dirty="0"/>
           </a:p>
@@ -3333,7 +3333,7 @@
               <a:pPr>
                 <a:defRPr/>
               </a:pPr>
-              <a:t>07/05/2012</a:t>
+              <a:t>05/05/2012</a:t>
             </a:fld>
             <a:endParaRPr lang="pt-BR"/>
           </a:p>
@@ -3392,7 +3392,7 @@
               <a:pPr>
                 <a:defRPr/>
               </a:pPr>
-              <a:t>‹#›</a:t>
+              <a:t>‹nº›</a:t>
             </a:fld>
             <a:endParaRPr lang="pt-BR"/>
           </a:p>
@@ -3624,7 +3624,7 @@
               <a:pPr>
                 <a:defRPr/>
               </a:pPr>
-              <a:t>07/05/2012</a:t>
+              <a:t>05/05/2012</a:t>
             </a:fld>
             <a:endParaRPr lang="pt-BR"/>
           </a:p>
@@ -3683,7 +3683,7 @@
               <a:pPr>
                 <a:defRPr/>
               </a:pPr>
-              <a:t>‹#›</a:t>
+              <a:t>‹nº›</a:t>
             </a:fld>
             <a:endParaRPr lang="pt-BR"/>
           </a:p>
@@ -4025,7 +4025,7 @@
               <a:pPr>
                 <a:defRPr/>
               </a:pPr>
-              <a:t>07/05/2012</a:t>
+              <a:t>05/05/2012</a:t>
             </a:fld>
             <a:endParaRPr lang="pt-BR"/>
           </a:p>
@@ -4084,7 +4084,7 @@
               <a:pPr>
                 <a:defRPr/>
               </a:pPr>
-              <a:t>‹#›</a:t>
+              <a:t>‹nº›</a:t>
             </a:fld>
             <a:endParaRPr lang="pt-BR"/>
           </a:p>
@@ -4174,7 +4174,7 @@
               <a:pPr>
                 <a:defRPr/>
               </a:pPr>
-              <a:t>07/05/2012</a:t>
+              <a:t>05/05/2012</a:t>
             </a:fld>
             <a:endParaRPr lang="pt-BR"/>
           </a:p>
@@ -4233,7 +4233,7 @@
               <a:pPr>
                 <a:defRPr/>
               </a:pPr>
-              <a:t>‹#›</a:t>
+              <a:t>‹nº›</a:t>
             </a:fld>
             <a:endParaRPr lang="pt-BR"/>
           </a:p>
@@ -4291,7 +4291,7 @@
               <a:pPr>
                 <a:defRPr/>
               </a:pPr>
-              <a:t>07/05/2012</a:t>
+              <a:t>05/05/2012</a:t>
             </a:fld>
             <a:endParaRPr lang="pt-BR"/>
           </a:p>
@@ -4350,7 +4350,7 @@
               <a:pPr>
                 <a:defRPr/>
               </a:pPr>
-              <a:t>‹#›</a:t>
+              <a:t>‹nº›</a:t>
             </a:fld>
             <a:endParaRPr lang="pt-BR"/>
           </a:p>
@@ -4567,7 +4567,7 @@
               <a:pPr>
                 <a:defRPr/>
               </a:pPr>
-              <a:t>07/05/2012</a:t>
+              <a:t>05/05/2012</a:t>
             </a:fld>
             <a:endParaRPr lang="pt-BR"/>
           </a:p>
@@ -4631,7 +4631,7 @@
               <a:pPr>
                 <a:defRPr/>
               </a:pPr>
-              <a:t>‹#›</a:t>
+              <a:t>‹nº›</a:t>
             </a:fld>
             <a:endParaRPr lang="pt-BR"/>
           </a:p>
@@ -4851,7 +4851,7 @@
               <a:pPr>
                 <a:defRPr/>
               </a:pPr>
-              <a:t>07/05/2012</a:t>
+              <a:t>05/05/2012</a:t>
             </a:fld>
             <a:endParaRPr lang="pt-BR"/>
           </a:p>
@@ -4910,7 +4910,7 @@
               <a:pPr>
                 <a:defRPr/>
               </a:pPr>
-              <a:t>‹#›</a:t>
+              <a:t>‹nº›</a:t>
             </a:fld>
             <a:endParaRPr lang="pt-BR"/>
           </a:p>
@@ -5329,7 +5329,7 @@
               <a:pPr>
                 <a:defRPr/>
               </a:pPr>
-              <a:t>07/05/2012</a:t>
+              <a:t>05/05/2012</a:t>
             </a:fld>
             <a:endParaRPr lang="pt-BR"/>
           </a:p>
@@ -5432,7 +5432,7 @@
               <a:pPr>
                 <a:defRPr/>
               </a:pPr>
-              <a:t>‹#›</a:t>
+              <a:t>‹nº›</a:t>
             </a:fld>
             <a:endParaRPr lang="pt-BR" dirty="0"/>
           </a:p>
@@ -8490,13 +8490,8 @@
                   <a:srgbClr val="FFC000"/>
                 </a:solidFill>
               </a:rPr>
-              <a:t>1.270,50</a:t>
-            </a:r>
-            <a:endParaRPr lang="pt-BR" sz="2400" dirty="0" smtClean="0">
-              <a:solidFill>
-                <a:srgbClr val="FFC000"/>
-              </a:solidFill>
-            </a:endParaRPr>
+              <a:t>1.270,00</a:t>
+            </a:r>
           </a:p>
         </p:txBody>
       </p:sp>
@@ -8602,12 +8597,7 @@
             <p:ph idx="1"/>
           </p:nvPr>
         </p:nvSpPr>
-        <p:spPr>
-          <a:xfrm>
-            <a:off x="457200" y="1600200"/>
-            <a:ext cx="7615262" cy="4525963"/>
-          </a:xfrm>
-        </p:spPr>
+        <p:spPr/>
         <p:txBody>
           <a:bodyPr/>
           <a:lstStyle/>
@@ -8630,10 +8620,14 @@
             </a:pPr>
             <a:r>
               <a:rPr lang="pt-BR" sz="2000" dirty="0" smtClean="0"/>
-              <a:t>System.out.</a:t>
-            </a:r>
-            <a:r>
-              <a:rPr lang="pt-BR" sz="2000" dirty="0" smtClean="0">
+              <a:t>System.</a:t>
+            </a:r>
+            <a:r>
+              <a:rPr lang="pt-BR" sz="2000" dirty="0" err="1" smtClean="0"/>
+              <a:t>out.</a:t>
+            </a:r>
+            <a:r>
+              <a:rPr lang="pt-BR" sz="2000" dirty="0" err="1" smtClean="0">
                 <a:solidFill>
                   <a:srgbClr val="FFC000"/>
                 </a:solidFill>
@@ -8662,23 +8656,11 @@
                   <a:srgbClr val="FFC000"/>
                 </a:solidFill>
               </a:rPr>
-              <a:t>%-</a:t>
-            </a:r>
-            <a:r>
-              <a:rPr lang="pt-BR" sz="2000" dirty="0" smtClean="0">
-                <a:solidFill>
-                  <a:srgbClr val="FFC000"/>
-                </a:solidFill>
-              </a:rPr>
-              <a:t>10s%n</a:t>
+              <a:t>%-10s</a:t>
             </a:r>
             <a:r>
               <a:rPr lang="pt-BR" sz="2000" dirty="0" smtClean="0"/>
-              <a:t>”, </a:t>
-            </a:r>
-            <a:r>
-              <a:rPr lang="pt-BR" sz="2000" dirty="0" smtClean="0"/>
-              <a:t>“Manuel”, “Padeiro”);</a:t>
+              <a:t>”, “Manuel”, “Padeiro”);</a:t>
             </a:r>
           </a:p>
           <a:p>
@@ -8687,10 +8669,14 @@
             </a:pPr>
             <a:r>
               <a:rPr lang="pt-BR" sz="2000" dirty="0" smtClean="0"/>
-              <a:t>System.out.</a:t>
-            </a:r>
-            <a:r>
-              <a:rPr lang="pt-BR" sz="2000" dirty="0" smtClean="0">
+              <a:t>System.</a:t>
+            </a:r>
+            <a:r>
+              <a:rPr lang="pt-BR" sz="2000" dirty="0" err="1" smtClean="0"/>
+              <a:t>out.</a:t>
+            </a:r>
+            <a:r>
+              <a:rPr lang="pt-BR" sz="2000" dirty="0" err="1" smtClean="0">
                 <a:solidFill>
                   <a:srgbClr val="FFC000"/>
                 </a:solidFill>
@@ -8719,23 +8705,11 @@
                   <a:srgbClr val="FFC000"/>
                 </a:solidFill>
               </a:rPr>
-              <a:t>%-</a:t>
-            </a:r>
-            <a:r>
-              <a:rPr lang="pt-BR" sz="2000" dirty="0" smtClean="0">
-                <a:solidFill>
-                  <a:srgbClr val="FFC000"/>
-                </a:solidFill>
-              </a:rPr>
-              <a:t>10s%n</a:t>
+              <a:t>%-10s</a:t>
             </a:r>
             <a:r>
               <a:rPr lang="pt-BR" sz="2000" dirty="0" smtClean="0"/>
-              <a:t>”, </a:t>
-            </a:r>
-            <a:r>
-              <a:rPr lang="pt-BR" sz="2000" dirty="0" smtClean="0"/>
-              <a:t>“Henrique”, “Office Boy”);</a:t>
+              <a:t>”, “Henrique”, “Office Boy”);</a:t>
             </a:r>
           </a:p>
           <a:p>
@@ -8744,10 +8718,14 @@
             </a:pPr>
             <a:r>
               <a:rPr lang="pt-BR" sz="2000" dirty="0" smtClean="0"/>
-              <a:t>System.out.</a:t>
-            </a:r>
-            <a:r>
-              <a:rPr lang="pt-BR" sz="2000" dirty="0" smtClean="0">
+              <a:t>System.</a:t>
+            </a:r>
+            <a:r>
+              <a:rPr lang="pt-BR" sz="2000" dirty="0" err="1" smtClean="0"/>
+              <a:t>out.</a:t>
+            </a:r>
+            <a:r>
+              <a:rPr lang="pt-BR" sz="2000" dirty="0" err="1" smtClean="0">
                 <a:solidFill>
                   <a:srgbClr val="FFC000"/>
                 </a:solidFill>
@@ -8776,23 +8754,11 @@
                   <a:srgbClr val="FFC000"/>
                 </a:solidFill>
               </a:rPr>
-              <a:t>%-</a:t>
-            </a:r>
-            <a:r>
-              <a:rPr lang="pt-BR" sz="2000" dirty="0" smtClean="0">
-                <a:solidFill>
-                  <a:srgbClr val="FFC000"/>
-                </a:solidFill>
-              </a:rPr>
-              <a:t>10s%n</a:t>
+              <a:t>%-10s</a:t>
             </a:r>
             <a:r>
               <a:rPr lang="pt-BR" sz="2000" dirty="0" smtClean="0"/>
-              <a:t>”, </a:t>
-            </a:r>
-            <a:r>
-              <a:rPr lang="pt-BR" sz="2000" dirty="0" smtClean="0"/>
-              <a:t>“Maria”, “Caixa”);</a:t>
+              <a:t>”, “Maria”, “Caixa”);</a:t>
             </a:r>
           </a:p>
           <a:p>

--- a/2-Java-Programmer-Modulo-II/02.Capitulo01.pptx
+++ b/2-Java-Programmer-Modulo-II/02.Capitulo01.pptx
@@ -258,7 +258,7 @@
               <a:pPr>
                 <a:defRPr/>
               </a:pPr>
-              <a:t>05/05/2012</a:t>
+              <a:t>30/6/2012</a:t>
             </a:fld>
             <a:endParaRPr lang="pt-BR"/>
           </a:p>
@@ -2237,7 +2237,7 @@
               <a:pPr>
                 <a:defRPr/>
               </a:pPr>
-              <a:t>05/05/2012</a:t>
+              <a:t>30/6/2012</a:t>
             </a:fld>
             <a:endParaRPr lang="pt-BR"/>
           </a:p>
@@ -2429,7 +2429,7 @@
               <a:pPr>
                 <a:defRPr/>
               </a:pPr>
-              <a:t>05/05/2012</a:t>
+              <a:t>30/6/2012</a:t>
             </a:fld>
             <a:endParaRPr lang="pt-BR"/>
           </a:p>
@@ -2631,7 +2631,7 @@
               <a:pPr>
                 <a:defRPr/>
               </a:pPr>
-              <a:t>05/05/2012</a:t>
+              <a:t>30/6/2012</a:t>
             </a:fld>
             <a:endParaRPr lang="pt-BR"/>
           </a:p>
@@ -2827,7 +2827,7 @@
               <a:pPr>
                 <a:defRPr/>
               </a:pPr>
-              <a:t>05/05/2012</a:t>
+              <a:t>30/6/2012</a:t>
             </a:fld>
             <a:endParaRPr lang="pt-BR"/>
           </a:p>
@@ -3333,7 +3333,7 @@
               <a:pPr>
                 <a:defRPr/>
               </a:pPr>
-              <a:t>05/05/2012</a:t>
+              <a:t>30/6/2012</a:t>
             </a:fld>
             <a:endParaRPr lang="pt-BR"/>
           </a:p>
@@ -3624,7 +3624,7 @@
               <a:pPr>
                 <a:defRPr/>
               </a:pPr>
-              <a:t>05/05/2012</a:t>
+              <a:t>30/6/2012</a:t>
             </a:fld>
             <a:endParaRPr lang="pt-BR"/>
           </a:p>
@@ -4025,7 +4025,7 @@
               <a:pPr>
                 <a:defRPr/>
               </a:pPr>
-              <a:t>05/05/2012</a:t>
+              <a:t>30/6/2012</a:t>
             </a:fld>
             <a:endParaRPr lang="pt-BR"/>
           </a:p>
@@ -4174,7 +4174,7 @@
               <a:pPr>
                 <a:defRPr/>
               </a:pPr>
-              <a:t>05/05/2012</a:t>
+              <a:t>30/6/2012</a:t>
             </a:fld>
             <a:endParaRPr lang="pt-BR"/>
           </a:p>
@@ -4291,7 +4291,7 @@
               <a:pPr>
                 <a:defRPr/>
               </a:pPr>
-              <a:t>05/05/2012</a:t>
+              <a:t>30/6/2012</a:t>
             </a:fld>
             <a:endParaRPr lang="pt-BR"/>
           </a:p>
@@ -4567,7 +4567,7 @@
               <a:pPr>
                 <a:defRPr/>
               </a:pPr>
-              <a:t>05/05/2012</a:t>
+              <a:t>30/6/2012</a:t>
             </a:fld>
             <a:endParaRPr lang="pt-BR"/>
           </a:p>
@@ -4851,7 +4851,7 @@
               <a:pPr>
                 <a:defRPr/>
               </a:pPr>
-              <a:t>05/05/2012</a:t>
+              <a:t>30/6/2012</a:t>
             </a:fld>
             <a:endParaRPr lang="pt-BR"/>
           </a:p>
@@ -5329,7 +5329,7 @@
               <a:pPr>
                 <a:defRPr/>
               </a:pPr>
-              <a:t>05/05/2012</a:t>
+              <a:t>30/6/2012</a:t>
             </a:fld>
             <a:endParaRPr lang="pt-BR"/>
           </a:p>
@@ -7977,7 +7977,12 @@
             <p:ph type="title"/>
           </p:nvPr>
         </p:nvSpPr>
-        <p:spPr/>
+        <p:spPr>
+          <a:xfrm>
+            <a:off x="457200" y="274638"/>
+            <a:ext cx="8329642" cy="1143000"/>
+          </a:xfrm>
+        </p:spPr>
         <p:txBody>
           <a:bodyPr/>
           <a:lstStyle/>
@@ -8121,7 +8126,12 @@
             <p:ph type="title"/>
           </p:nvPr>
         </p:nvSpPr>
-        <p:spPr/>
+        <p:spPr>
+          <a:xfrm>
+            <a:off x="457200" y="274638"/>
+            <a:ext cx="8329642" cy="1143000"/>
+          </a:xfrm>
+        </p:spPr>
         <p:txBody>
           <a:bodyPr/>
           <a:lstStyle/>
@@ -8374,7 +8384,12 @@
             <p:ph type="title"/>
           </p:nvPr>
         </p:nvSpPr>
-        <p:spPr/>
+        <p:spPr>
+          <a:xfrm>
+            <a:off x="457200" y="274638"/>
+            <a:ext cx="8258204" cy="1143000"/>
+          </a:xfrm>
+        </p:spPr>
         <p:txBody>
           <a:bodyPr/>
           <a:lstStyle/>
@@ -8566,7 +8581,12 @@
             <p:ph type="title"/>
           </p:nvPr>
         </p:nvSpPr>
-        <p:spPr/>
+        <p:spPr>
+          <a:xfrm>
+            <a:off x="457200" y="274638"/>
+            <a:ext cx="8329642" cy="1143000"/>
+          </a:xfrm>
+        </p:spPr>
         <p:txBody>
           <a:bodyPr/>
           <a:lstStyle/>

--- a/2-Java-Programmer-Modulo-II/02.Capitulo01.pptx
+++ b/2-Java-Programmer-Modulo-II/02.Capitulo01.pptx
@@ -258,7 +258,7 @@
               <a:pPr>
                 <a:defRPr/>
               </a:pPr>
-              <a:t>30/6/2012</a:t>
+              <a:t>05/05/2012</a:t>
             </a:fld>
             <a:endParaRPr lang="pt-BR"/>
           </a:p>
@@ -2237,7 +2237,7 @@
               <a:pPr>
                 <a:defRPr/>
               </a:pPr>
-              <a:t>30/6/2012</a:t>
+              <a:t>05/05/2012</a:t>
             </a:fld>
             <a:endParaRPr lang="pt-BR"/>
           </a:p>
@@ -2429,7 +2429,7 @@
               <a:pPr>
                 <a:defRPr/>
               </a:pPr>
-              <a:t>30/6/2012</a:t>
+              <a:t>05/05/2012</a:t>
             </a:fld>
             <a:endParaRPr lang="pt-BR"/>
           </a:p>
@@ -2631,7 +2631,7 @@
               <a:pPr>
                 <a:defRPr/>
               </a:pPr>
-              <a:t>30/6/2012</a:t>
+              <a:t>05/05/2012</a:t>
             </a:fld>
             <a:endParaRPr lang="pt-BR"/>
           </a:p>
@@ -2827,7 +2827,7 @@
               <a:pPr>
                 <a:defRPr/>
               </a:pPr>
-              <a:t>30/6/2012</a:t>
+              <a:t>05/05/2012</a:t>
             </a:fld>
             <a:endParaRPr lang="pt-BR"/>
           </a:p>
@@ -3333,7 +3333,7 @@
               <a:pPr>
                 <a:defRPr/>
               </a:pPr>
-              <a:t>30/6/2012</a:t>
+              <a:t>05/05/2012</a:t>
             </a:fld>
             <a:endParaRPr lang="pt-BR"/>
           </a:p>
@@ -3624,7 +3624,7 @@
               <a:pPr>
                 <a:defRPr/>
               </a:pPr>
-              <a:t>30/6/2012</a:t>
+              <a:t>05/05/2012</a:t>
             </a:fld>
             <a:endParaRPr lang="pt-BR"/>
           </a:p>
@@ -4025,7 +4025,7 @@
               <a:pPr>
                 <a:defRPr/>
               </a:pPr>
-              <a:t>30/6/2012</a:t>
+              <a:t>05/05/2012</a:t>
             </a:fld>
             <a:endParaRPr lang="pt-BR"/>
           </a:p>
@@ -4174,7 +4174,7 @@
               <a:pPr>
                 <a:defRPr/>
               </a:pPr>
-              <a:t>30/6/2012</a:t>
+              <a:t>05/05/2012</a:t>
             </a:fld>
             <a:endParaRPr lang="pt-BR"/>
           </a:p>
@@ -4291,7 +4291,7 @@
               <a:pPr>
                 <a:defRPr/>
               </a:pPr>
-              <a:t>30/6/2012</a:t>
+              <a:t>05/05/2012</a:t>
             </a:fld>
             <a:endParaRPr lang="pt-BR"/>
           </a:p>
@@ -4567,7 +4567,7 @@
               <a:pPr>
                 <a:defRPr/>
               </a:pPr>
-              <a:t>30/6/2012</a:t>
+              <a:t>05/05/2012</a:t>
             </a:fld>
             <a:endParaRPr lang="pt-BR"/>
           </a:p>
@@ -4851,7 +4851,7 @@
               <a:pPr>
                 <a:defRPr/>
               </a:pPr>
-              <a:t>30/6/2012</a:t>
+              <a:t>05/05/2012</a:t>
             </a:fld>
             <a:endParaRPr lang="pt-BR"/>
           </a:p>
@@ -5329,7 +5329,7 @@
               <a:pPr>
                 <a:defRPr/>
               </a:pPr>
-              <a:t>30/6/2012</a:t>
+              <a:t>05/05/2012</a:t>
             </a:fld>
             <a:endParaRPr lang="pt-BR"/>
           </a:p>
@@ -7977,12 +7977,7 @@
             <p:ph type="title"/>
           </p:nvPr>
         </p:nvSpPr>
-        <p:spPr>
-          <a:xfrm>
-            <a:off x="457200" y="274638"/>
-            <a:ext cx="8329642" cy="1143000"/>
-          </a:xfrm>
-        </p:spPr>
+        <p:spPr/>
         <p:txBody>
           <a:bodyPr/>
           <a:lstStyle/>
@@ -8126,12 +8121,7 @@
             <p:ph type="title"/>
           </p:nvPr>
         </p:nvSpPr>
-        <p:spPr>
-          <a:xfrm>
-            <a:off x="457200" y="274638"/>
-            <a:ext cx="8329642" cy="1143000"/>
-          </a:xfrm>
-        </p:spPr>
+        <p:spPr/>
         <p:txBody>
           <a:bodyPr/>
           <a:lstStyle/>
@@ -8384,12 +8374,7 @@
             <p:ph type="title"/>
           </p:nvPr>
         </p:nvSpPr>
-        <p:spPr>
-          <a:xfrm>
-            <a:off x="457200" y="274638"/>
-            <a:ext cx="8258204" cy="1143000"/>
-          </a:xfrm>
-        </p:spPr>
+        <p:spPr/>
         <p:txBody>
           <a:bodyPr/>
           <a:lstStyle/>
@@ -8581,12 +8566,7 @@
             <p:ph type="title"/>
           </p:nvPr>
         </p:nvSpPr>
-        <p:spPr>
-          <a:xfrm>
-            <a:off x="457200" y="274638"/>
-            <a:ext cx="8329642" cy="1143000"/>
-          </a:xfrm>
-        </p:spPr>
+        <p:spPr/>
         <p:txBody>
           <a:bodyPr/>
           <a:lstStyle/>

--- a/2-Java-Programmer-Modulo-II/02.Capitulo01.pptx
+++ b/2-Java-Programmer-Modulo-II/02.Capitulo01.pptx
@@ -258,7 +258,7 @@
               <a:pPr>
                 <a:defRPr/>
               </a:pPr>
-              <a:t>05/05/2012</a:t>
+              <a:t>24/09/2012</a:t>
             </a:fld>
             <a:endParaRPr lang="pt-BR"/>
           </a:p>
@@ -446,7 +446,7 @@
               <a:pPr>
                 <a:defRPr/>
               </a:pPr>
-              <a:t>‹nº›</a:t>
+              <a:t>‹#›</a:t>
             </a:fld>
             <a:endParaRPr lang="pt-BR"/>
           </a:p>
@@ -2237,7 +2237,7 @@
               <a:pPr>
                 <a:defRPr/>
               </a:pPr>
-              <a:t>05/05/2012</a:t>
+              <a:t>24/09/2012</a:t>
             </a:fld>
             <a:endParaRPr lang="pt-BR"/>
           </a:p>
@@ -2296,7 +2296,7 @@
               <a:pPr>
                 <a:defRPr/>
               </a:pPr>
-              <a:t>‹nº›</a:t>
+              <a:t>‹#›</a:t>
             </a:fld>
             <a:endParaRPr lang="pt-BR" dirty="0"/>
           </a:p>
@@ -2429,7 +2429,7 @@
               <a:pPr>
                 <a:defRPr/>
               </a:pPr>
-              <a:t>05/05/2012</a:t>
+              <a:t>24/09/2012</a:t>
             </a:fld>
             <a:endParaRPr lang="pt-BR"/>
           </a:p>
@@ -2488,7 +2488,7 @@
               <a:pPr>
                 <a:defRPr/>
               </a:pPr>
-              <a:t>‹nº›</a:t>
+              <a:t>‹#›</a:t>
             </a:fld>
             <a:endParaRPr lang="pt-BR"/>
           </a:p>
@@ -2631,7 +2631,7 @@
               <a:pPr>
                 <a:defRPr/>
               </a:pPr>
-              <a:t>05/05/2012</a:t>
+              <a:t>24/09/2012</a:t>
             </a:fld>
             <a:endParaRPr lang="pt-BR"/>
           </a:p>
@@ -2690,7 +2690,7 @@
               <a:pPr>
                 <a:defRPr/>
               </a:pPr>
-              <a:t>‹nº›</a:t>
+              <a:t>‹#›</a:t>
             </a:fld>
             <a:endParaRPr lang="pt-BR"/>
           </a:p>
@@ -2731,7 +2731,12 @@
             <p:ph type="title"/>
           </p:nvPr>
         </p:nvSpPr>
-        <p:spPr/>
+        <p:spPr>
+          <a:xfrm>
+            <a:off x="457200" y="274638"/>
+            <a:ext cx="8329642" cy="1143000"/>
+          </a:xfrm>
+        </p:spPr>
         <p:txBody>
           <a:bodyPr/>
           <a:lstStyle>
@@ -2741,10 +2746,10 @@
           </a:lstStyle>
           <a:p>
             <a:r>
-              <a:rPr lang="pt-BR" smtClean="0"/>
+              <a:rPr lang="pt-BR" dirty="0" smtClean="0"/>
               <a:t>Clique para editar o estilo do título mestre</a:t>
             </a:r>
-            <a:endParaRPr lang="en-US"/>
+            <a:endParaRPr lang="en-US" dirty="0"/>
           </a:p>
         </p:txBody>
       </p:sp>
@@ -2827,7 +2832,7 @@
               <a:pPr>
                 <a:defRPr/>
               </a:pPr>
-              <a:t>05/05/2012</a:t>
+              <a:t>24/09/2012</a:t>
             </a:fld>
             <a:endParaRPr lang="pt-BR"/>
           </a:p>
@@ -2886,7 +2891,7 @@
               <a:pPr>
                 <a:defRPr/>
               </a:pPr>
-              <a:t>‹nº›</a:t>
+              <a:t>‹#›</a:t>
             </a:fld>
             <a:endParaRPr lang="pt-BR" dirty="0"/>
           </a:p>
@@ -3333,7 +3338,7 @@
               <a:pPr>
                 <a:defRPr/>
               </a:pPr>
-              <a:t>05/05/2012</a:t>
+              <a:t>24/09/2012</a:t>
             </a:fld>
             <a:endParaRPr lang="pt-BR"/>
           </a:p>
@@ -3392,7 +3397,7 @@
               <a:pPr>
                 <a:defRPr/>
               </a:pPr>
-              <a:t>‹nº›</a:t>
+              <a:t>‹#›</a:t>
             </a:fld>
             <a:endParaRPr lang="pt-BR"/>
           </a:p>
@@ -3624,7 +3629,7 @@
               <a:pPr>
                 <a:defRPr/>
               </a:pPr>
-              <a:t>05/05/2012</a:t>
+              <a:t>24/09/2012</a:t>
             </a:fld>
             <a:endParaRPr lang="pt-BR"/>
           </a:p>
@@ -3683,7 +3688,7 @@
               <a:pPr>
                 <a:defRPr/>
               </a:pPr>
-              <a:t>‹nº›</a:t>
+              <a:t>‹#›</a:t>
             </a:fld>
             <a:endParaRPr lang="pt-BR"/>
           </a:p>
@@ -4025,7 +4030,7 @@
               <a:pPr>
                 <a:defRPr/>
               </a:pPr>
-              <a:t>05/05/2012</a:t>
+              <a:t>24/09/2012</a:t>
             </a:fld>
             <a:endParaRPr lang="pt-BR"/>
           </a:p>
@@ -4084,7 +4089,7 @@
               <a:pPr>
                 <a:defRPr/>
               </a:pPr>
-              <a:t>‹nº›</a:t>
+              <a:t>‹#›</a:t>
             </a:fld>
             <a:endParaRPr lang="pt-BR"/>
           </a:p>
@@ -4174,7 +4179,7 @@
               <a:pPr>
                 <a:defRPr/>
               </a:pPr>
-              <a:t>05/05/2012</a:t>
+              <a:t>24/09/2012</a:t>
             </a:fld>
             <a:endParaRPr lang="pt-BR"/>
           </a:p>
@@ -4233,7 +4238,7 @@
               <a:pPr>
                 <a:defRPr/>
               </a:pPr>
-              <a:t>‹nº›</a:t>
+              <a:t>‹#›</a:t>
             </a:fld>
             <a:endParaRPr lang="pt-BR"/>
           </a:p>
@@ -4291,7 +4296,7 @@
               <a:pPr>
                 <a:defRPr/>
               </a:pPr>
-              <a:t>05/05/2012</a:t>
+              <a:t>24/09/2012</a:t>
             </a:fld>
             <a:endParaRPr lang="pt-BR"/>
           </a:p>
@@ -4350,7 +4355,7 @@
               <a:pPr>
                 <a:defRPr/>
               </a:pPr>
-              <a:t>‹nº›</a:t>
+              <a:t>‹#›</a:t>
             </a:fld>
             <a:endParaRPr lang="pt-BR"/>
           </a:p>
@@ -4567,7 +4572,7 @@
               <a:pPr>
                 <a:defRPr/>
               </a:pPr>
-              <a:t>05/05/2012</a:t>
+              <a:t>24/09/2012</a:t>
             </a:fld>
             <a:endParaRPr lang="pt-BR"/>
           </a:p>
@@ -4631,7 +4636,7 @@
               <a:pPr>
                 <a:defRPr/>
               </a:pPr>
-              <a:t>‹nº›</a:t>
+              <a:t>‹#›</a:t>
             </a:fld>
             <a:endParaRPr lang="pt-BR"/>
           </a:p>
@@ -4851,7 +4856,7 @@
               <a:pPr>
                 <a:defRPr/>
               </a:pPr>
-              <a:t>05/05/2012</a:t>
+              <a:t>24/09/2012</a:t>
             </a:fld>
             <a:endParaRPr lang="pt-BR"/>
           </a:p>
@@ -4910,7 +4915,7 @@
               <a:pPr>
                 <a:defRPr/>
               </a:pPr>
-              <a:t>‹nº›</a:t>
+              <a:t>‹#›</a:t>
             </a:fld>
             <a:endParaRPr lang="pt-BR"/>
           </a:p>
@@ -5329,7 +5334,7 @@
               <a:pPr>
                 <a:defRPr/>
               </a:pPr>
-              <a:t>05/05/2012</a:t>
+              <a:t>24/09/2012</a:t>
             </a:fld>
             <a:endParaRPr lang="pt-BR"/>
           </a:p>
@@ -5432,7 +5437,7 @@
               <a:pPr>
                 <a:defRPr/>
               </a:pPr>
-              <a:t>‹nº›</a:t>
+              <a:t>‹#›</a:t>
             </a:fld>
             <a:endParaRPr lang="pt-BR" dirty="0"/>
           </a:p>
